--- a/images/theory_analysis/ARP/ARP.pptx
+++ b/images/theory_analysis/ARP/ARP.pptx
@@ -8,8 +8,8 @@
     <p:notesMasterId r:id="rId4"/>
   </p:notesMasterIdLst>
   <p:sldIdLst>
-    <p:sldId id="356" r:id="rId2"/>
-    <p:sldId id="355" r:id="rId3"/>
+    <p:sldId id="355" r:id="rId2"/>
+    <p:sldId id="356" r:id="rId3"/>
   </p:sldIdLst>
   <p:sldSz cx="9144000" cy="5143500" type="screen16x9"/>
   <p:notesSz cx="6858000" cy="9144000"/>
@@ -110,7 +110,7 @@
   </p:defaultTextStyle>
   <p:extLst>
     <p:ext uri="{EFAFB233-063F-42B5-8137-9DF3F51BA10A}">
-      <p15:sldGuideLst xmlns:p15="http://schemas.microsoft.com/office/powerpoint/2012/main" xmlns="">
+      <p15:sldGuideLst xmlns:p15="http://schemas.microsoft.com/office/powerpoint/2012/main">
         <p15:guide id="1" orient="horz" pos="2160">
           <p15:clr>
             <a:srgbClr val="A4A3A4"/>
@@ -214,7 +214,7 @@
           <a:p>
             <a:fld id="{6CD5550B-26C4-49A9-A5BA-636EF7BE6CE9}" type="datetimeFigureOut">
               <a:rPr lang="ko-KR" altLang="en-US" smtClean="0"/>
-              <a:t>2017-05-02</a:t>
+              <a:t>2017-05-03</a:t>
             </a:fld>
             <a:endParaRPr lang="ko-KR" altLang="en-US"/>
           </a:p>
@@ -831,7 +831,7 @@
           <a:p>
             <a:fld id="{FB30EDBD-1C2D-4C1E-B459-B60219FAB484}" type="datetimeFigureOut">
               <a:rPr lang="ko-KR" altLang="en-US" smtClean="0"/>
-              <a:t>2017-05-02</a:t>
+              <a:t>2017-05-03</a:t>
             </a:fld>
             <a:endParaRPr lang="ko-KR" altLang="en-US"/>
           </a:p>
@@ -996,7 +996,7 @@
           <a:p>
             <a:fld id="{FB30EDBD-1C2D-4C1E-B459-B60219FAB484}" type="datetimeFigureOut">
               <a:rPr lang="ko-KR" altLang="en-US" smtClean="0"/>
-              <a:t>2017-05-02</a:t>
+              <a:t>2017-05-03</a:t>
             </a:fld>
             <a:endParaRPr lang="ko-KR" altLang="en-US"/>
           </a:p>
@@ -1171,7 +1171,7 @@
           <a:p>
             <a:fld id="{FB30EDBD-1C2D-4C1E-B459-B60219FAB484}" type="datetimeFigureOut">
               <a:rPr lang="ko-KR" altLang="en-US" smtClean="0"/>
-              <a:t>2017-05-02</a:t>
+              <a:t>2017-05-03</a:t>
             </a:fld>
             <a:endParaRPr lang="ko-KR" altLang="en-US"/>
           </a:p>
@@ -1336,7 +1336,7 @@
           <a:p>
             <a:fld id="{FB30EDBD-1C2D-4C1E-B459-B60219FAB484}" type="datetimeFigureOut">
               <a:rPr lang="ko-KR" altLang="en-US" smtClean="0"/>
-              <a:t>2017-05-02</a:t>
+              <a:t>2017-05-03</a:t>
             </a:fld>
             <a:endParaRPr lang="ko-KR" altLang="en-US"/>
           </a:p>
@@ -1584,7 +1584,7 @@
           <a:p>
             <a:fld id="{FB30EDBD-1C2D-4C1E-B459-B60219FAB484}" type="datetimeFigureOut">
               <a:rPr lang="ko-KR" altLang="en-US" smtClean="0"/>
-              <a:t>2017-05-02</a:t>
+              <a:t>2017-05-03</a:t>
             </a:fld>
             <a:endParaRPr lang="ko-KR" altLang="en-US"/>
           </a:p>
@@ -1867,7 +1867,7 @@
           <a:p>
             <a:fld id="{FB30EDBD-1C2D-4C1E-B459-B60219FAB484}" type="datetimeFigureOut">
               <a:rPr lang="ko-KR" altLang="en-US" smtClean="0"/>
-              <a:t>2017-05-02</a:t>
+              <a:t>2017-05-03</a:t>
             </a:fld>
             <a:endParaRPr lang="ko-KR" altLang="en-US"/>
           </a:p>
@@ -2284,7 +2284,7 @@
           <a:p>
             <a:fld id="{FB30EDBD-1C2D-4C1E-B459-B60219FAB484}" type="datetimeFigureOut">
               <a:rPr lang="ko-KR" altLang="en-US" smtClean="0"/>
-              <a:t>2017-05-02</a:t>
+              <a:t>2017-05-03</a:t>
             </a:fld>
             <a:endParaRPr lang="ko-KR" altLang="en-US"/>
           </a:p>
@@ -2397,7 +2397,7 @@
           <a:p>
             <a:fld id="{FB30EDBD-1C2D-4C1E-B459-B60219FAB484}" type="datetimeFigureOut">
               <a:rPr lang="ko-KR" altLang="en-US" smtClean="0"/>
-              <a:t>2017-05-02</a:t>
+              <a:t>2017-05-03</a:t>
             </a:fld>
             <a:endParaRPr lang="ko-KR" altLang="en-US"/>
           </a:p>
@@ -2487,7 +2487,7 @@
           <a:p>
             <a:fld id="{FB30EDBD-1C2D-4C1E-B459-B60219FAB484}" type="datetimeFigureOut">
               <a:rPr lang="ko-KR" altLang="en-US" smtClean="0"/>
-              <a:t>2017-05-02</a:t>
+              <a:t>2017-05-03</a:t>
             </a:fld>
             <a:endParaRPr lang="ko-KR" altLang="en-US"/>
           </a:p>
@@ -2759,7 +2759,7 @@
           <a:p>
             <a:fld id="{FB30EDBD-1C2D-4C1E-B459-B60219FAB484}" type="datetimeFigureOut">
               <a:rPr lang="ko-KR" altLang="en-US" smtClean="0"/>
-              <a:t>2017-05-02</a:t>
+              <a:t>2017-05-03</a:t>
             </a:fld>
             <a:endParaRPr lang="ko-KR" altLang="en-US"/>
           </a:p>
@@ -3007,7 +3007,7 @@
           <a:p>
             <a:fld id="{FB30EDBD-1C2D-4C1E-B459-B60219FAB484}" type="datetimeFigureOut">
               <a:rPr lang="ko-KR" altLang="en-US" smtClean="0"/>
-              <a:t>2017-05-02</a:t>
+              <a:t>2017-05-03</a:t>
             </a:fld>
             <a:endParaRPr lang="ko-KR" altLang="en-US"/>
           </a:p>
@@ -3215,7 +3215,7 @@
           <a:p>
             <a:fld id="{FB30EDBD-1C2D-4C1E-B459-B60219FAB484}" type="datetimeFigureOut">
               <a:rPr lang="ko-KR" altLang="en-US" smtClean="0"/>
-              <a:t>2017-05-02</a:t>
+              <a:t>2017-05-03</a:t>
             </a:fld>
             <a:endParaRPr lang="ko-KR" altLang="en-US"/>
           </a:p>
@@ -3607,11 +3607,7 @@
           <a:p>
             <a:r>
               <a:rPr lang="en-US" altLang="ko-KR" dirty="0" smtClean="0"/>
-              <a:t>ARP and </a:t>
-            </a:r>
-            <a:r>
-              <a:rPr lang="en-US" altLang="ko-KR" dirty="0" err="1" smtClean="0"/>
-              <a:t>RARP</a:t>
+              <a:t>ARP Packet Format</a:t>
             </a:r>
             <a:endParaRPr lang="ko-KR" altLang="en-US" dirty="0"/>
           </a:p>
@@ -3619,19 +3615,17 @@
       </p:sp>
       <p:sp>
         <p:nvSpPr>
-          <p:cNvPr id="3" name="모서리가 둥근 직사각형 2"/>
+          <p:cNvPr id="4" name="직사각형 3"/>
           <p:cNvSpPr/>
           <p:nvPr/>
         </p:nvSpPr>
         <p:spPr>
           <a:xfrm>
-            <a:off x="1345089" y="1995686"/>
-            <a:ext cx="2088232" cy="936104"/>
-          </a:xfrm>
-          <a:prstGeom prst="roundRect">
-            <a:avLst>
-              <a:gd name="adj" fmla="val 9458"/>
-            </a:avLst>
+            <a:off x="683568" y="1059582"/>
+            <a:ext cx="1080120" cy="432048"/>
+          </a:xfrm>
+          <a:prstGeom prst="rect">
+            <a:avLst/>
           </a:prstGeom>
         </p:spPr>
         <p:style>
@@ -3653,28 +3647,522 @@
           <a:lstStyle/>
           <a:p>
             <a:pPr algn="ctr"/>
-            <a:endParaRPr lang="ko-KR" altLang="en-US" sz="2000"/>
+            <a:r>
+              <a:rPr lang="en-US" altLang="ko-KR" sz="1200" dirty="0" smtClean="0"/>
+              <a:t>Destination address</a:t>
+            </a:r>
+            <a:endParaRPr lang="ko-KR" altLang="en-US" sz="1200" dirty="0"/>
+          </a:p>
+        </p:txBody>
+      </p:sp>
+      <p:sp>
+        <p:nvSpPr>
+          <p:cNvPr id="22" name="직사각형 21"/>
+          <p:cNvSpPr/>
+          <p:nvPr/>
+        </p:nvSpPr>
+        <p:spPr>
+          <a:xfrm>
+            <a:off x="1763688" y="1059582"/>
+            <a:ext cx="1008112" cy="432048"/>
+          </a:xfrm>
+          <a:prstGeom prst="rect">
+            <a:avLst/>
+          </a:prstGeom>
+        </p:spPr>
+        <p:style>
+          <a:lnRef idx="2">
+            <a:schemeClr val="dk1"/>
+          </a:lnRef>
+          <a:fillRef idx="1">
+            <a:schemeClr val="lt1"/>
+          </a:fillRef>
+          <a:effectRef idx="0">
+            <a:schemeClr val="dk1"/>
+          </a:effectRef>
+          <a:fontRef idx="minor">
+            <a:schemeClr val="dk1"/>
+          </a:fontRef>
+        </p:style>
+        <p:txBody>
+          <a:bodyPr rtlCol="0" anchor="ctr"/>
+          <a:lstStyle/>
+          <a:p>
+            <a:pPr algn="ctr"/>
+            <a:r>
+              <a:rPr lang="en-US" altLang="ko-KR" sz="1200" dirty="0" smtClean="0"/>
+              <a:t>Source address</a:t>
+            </a:r>
+            <a:endParaRPr lang="ko-KR" altLang="en-US" sz="1200" dirty="0"/>
+          </a:p>
+        </p:txBody>
+      </p:sp>
+      <p:sp>
+        <p:nvSpPr>
+          <p:cNvPr id="23" name="직사각형 22"/>
+          <p:cNvSpPr/>
+          <p:nvPr/>
+        </p:nvSpPr>
+        <p:spPr>
+          <a:xfrm>
+            <a:off x="2769469" y="1059582"/>
+            <a:ext cx="722411" cy="432048"/>
+          </a:xfrm>
+          <a:prstGeom prst="rect">
+            <a:avLst/>
+          </a:prstGeom>
+        </p:spPr>
+        <p:style>
+          <a:lnRef idx="2">
+            <a:schemeClr val="dk1"/>
+          </a:lnRef>
+          <a:fillRef idx="1">
+            <a:schemeClr val="lt1"/>
+          </a:fillRef>
+          <a:effectRef idx="0">
+            <a:schemeClr val="dk1"/>
+          </a:effectRef>
+          <a:fontRef idx="minor">
+            <a:schemeClr val="dk1"/>
+          </a:fontRef>
+        </p:style>
+        <p:txBody>
+          <a:bodyPr rtlCol="0" anchor="ctr"/>
+          <a:lstStyle/>
+          <a:p>
+            <a:pPr algn="ctr"/>
+            <a:r>
+              <a:rPr lang="en-US" altLang="ko-KR" sz="1200" dirty="0" smtClean="0"/>
+              <a:t>Type</a:t>
+            </a:r>
+          </a:p>
+          <a:p>
+            <a:pPr algn="ctr"/>
+            <a:r>
+              <a:rPr lang="en-US" altLang="ko-KR" sz="1200" dirty="0" err="1" smtClean="0"/>
+              <a:t>0x8060</a:t>
+            </a:r>
+            <a:endParaRPr lang="ko-KR" altLang="en-US" sz="1200" dirty="0"/>
+          </a:p>
+        </p:txBody>
+      </p:sp>
+      <p:sp>
+        <p:nvSpPr>
+          <p:cNvPr id="26" name="직사각형 25"/>
+          <p:cNvSpPr/>
+          <p:nvPr/>
+        </p:nvSpPr>
+        <p:spPr>
+          <a:xfrm>
+            <a:off x="3491880" y="1059582"/>
+            <a:ext cx="3384376" cy="432048"/>
+          </a:xfrm>
+          <a:prstGeom prst="rect">
+            <a:avLst/>
+          </a:prstGeom>
+        </p:spPr>
+        <p:style>
+          <a:lnRef idx="2">
+            <a:schemeClr val="dk1"/>
+          </a:lnRef>
+          <a:fillRef idx="1">
+            <a:schemeClr val="lt1"/>
+          </a:fillRef>
+          <a:effectRef idx="0">
+            <a:schemeClr val="dk1"/>
+          </a:effectRef>
+          <a:fontRef idx="minor">
+            <a:schemeClr val="dk1"/>
+          </a:fontRef>
+        </p:style>
+        <p:txBody>
+          <a:bodyPr rtlCol="0" anchor="ctr"/>
+          <a:lstStyle/>
+          <a:p>
+            <a:pPr algn="ctr"/>
+            <a:r>
+              <a:rPr lang="en-US" altLang="ko-KR" sz="1200" dirty="0" smtClean="0"/>
+              <a:t>ARP or </a:t>
+            </a:r>
+            <a:r>
+              <a:rPr lang="en-US" altLang="ko-KR" sz="1200" dirty="0" err="1" smtClean="0"/>
+              <a:t>RARP</a:t>
+            </a:r>
+            <a:endParaRPr lang="ko-KR" altLang="en-US" sz="1200" dirty="0"/>
+          </a:p>
+        </p:txBody>
+      </p:sp>
+      <p:sp>
+        <p:nvSpPr>
+          <p:cNvPr id="28" name="직사각형 27"/>
+          <p:cNvSpPr/>
+          <p:nvPr/>
+        </p:nvSpPr>
+        <p:spPr>
+          <a:xfrm>
+            <a:off x="6876256" y="1059582"/>
+            <a:ext cx="864096" cy="432048"/>
+          </a:xfrm>
+          <a:prstGeom prst="rect">
+            <a:avLst/>
+          </a:prstGeom>
+        </p:spPr>
+        <p:style>
+          <a:lnRef idx="2">
+            <a:schemeClr val="dk1"/>
+          </a:lnRef>
+          <a:fillRef idx="1">
+            <a:schemeClr val="lt1"/>
+          </a:fillRef>
+          <a:effectRef idx="0">
+            <a:schemeClr val="dk1"/>
+          </a:effectRef>
+          <a:fontRef idx="minor">
+            <a:schemeClr val="dk1"/>
+          </a:fontRef>
+        </p:style>
+        <p:txBody>
+          <a:bodyPr rtlCol="0" anchor="ctr"/>
+          <a:lstStyle/>
+          <a:p>
+            <a:pPr algn="ctr"/>
+            <a:r>
+              <a:rPr lang="en-US" altLang="ko-KR" sz="1200" dirty="0" smtClean="0"/>
+              <a:t>Padding</a:t>
+            </a:r>
+            <a:endParaRPr lang="ko-KR" altLang="en-US" sz="1200" dirty="0"/>
+          </a:p>
+        </p:txBody>
+      </p:sp>
+      <p:sp>
+        <p:nvSpPr>
+          <p:cNvPr id="29" name="직사각형 28"/>
+          <p:cNvSpPr/>
+          <p:nvPr/>
+        </p:nvSpPr>
+        <p:spPr>
+          <a:xfrm>
+            <a:off x="7740352" y="1059582"/>
+            <a:ext cx="864096" cy="432048"/>
+          </a:xfrm>
+          <a:prstGeom prst="rect">
+            <a:avLst/>
+          </a:prstGeom>
+        </p:spPr>
+        <p:style>
+          <a:lnRef idx="2">
+            <a:schemeClr val="dk1"/>
+          </a:lnRef>
+          <a:fillRef idx="1">
+            <a:schemeClr val="lt1"/>
+          </a:fillRef>
+          <a:effectRef idx="0">
+            <a:schemeClr val="dk1"/>
+          </a:effectRef>
+          <a:fontRef idx="minor">
+            <a:schemeClr val="dk1"/>
+          </a:fontRef>
+        </p:style>
+        <p:txBody>
+          <a:bodyPr rtlCol="0" anchor="ctr"/>
+          <a:lstStyle/>
+          <a:p>
+            <a:pPr algn="ctr"/>
+            <a:r>
+              <a:rPr lang="en-US" altLang="ko-KR" sz="1200" dirty="0" err="1" smtClean="0"/>
+              <a:t>CRC</a:t>
+            </a:r>
+            <a:endParaRPr lang="ko-KR" altLang="en-US" sz="1200" dirty="0"/>
+          </a:p>
+        </p:txBody>
+      </p:sp>
+      <p:sp>
+        <p:nvSpPr>
+          <p:cNvPr id="30" name="직사각형 29"/>
+          <p:cNvSpPr/>
+          <p:nvPr/>
+        </p:nvSpPr>
+        <p:spPr>
+          <a:xfrm>
+            <a:off x="683568" y="2283718"/>
+            <a:ext cx="3960440" cy="432048"/>
+          </a:xfrm>
+          <a:prstGeom prst="rect">
+            <a:avLst/>
+          </a:prstGeom>
+        </p:spPr>
+        <p:style>
+          <a:lnRef idx="2">
+            <a:schemeClr val="dk1"/>
+          </a:lnRef>
+          <a:fillRef idx="1">
+            <a:schemeClr val="lt1"/>
+          </a:fillRef>
+          <a:effectRef idx="0">
+            <a:schemeClr val="dk1"/>
+          </a:effectRef>
+          <a:fontRef idx="minor">
+            <a:schemeClr val="dk1"/>
+          </a:fontRef>
+        </p:style>
+        <p:txBody>
+          <a:bodyPr rtlCol="0" anchor="ctr"/>
+          <a:lstStyle/>
+          <a:p>
+            <a:pPr algn="ctr"/>
+            <a:r>
+              <a:rPr lang="en-US" altLang="ko-KR" sz="1200" dirty="0" smtClean="0"/>
+              <a:t>Hardware type (</a:t>
+            </a:r>
+            <a:r>
+              <a:rPr lang="en-US" altLang="ko-KR" sz="1200" dirty="0" err="1" smtClean="0"/>
+              <a:t>2bytes</a:t>
+            </a:r>
+            <a:r>
+              <a:rPr lang="en-US" altLang="ko-KR" sz="1200" dirty="0" smtClean="0"/>
+              <a:t>)</a:t>
+            </a:r>
+            <a:endParaRPr lang="ko-KR" altLang="en-US" sz="1200" dirty="0"/>
+          </a:p>
+        </p:txBody>
+      </p:sp>
+      <p:sp>
+        <p:nvSpPr>
+          <p:cNvPr id="39" name="직사각형 38"/>
+          <p:cNvSpPr/>
+          <p:nvPr/>
+        </p:nvSpPr>
+        <p:spPr>
+          <a:xfrm>
+            <a:off x="4644008" y="2283718"/>
+            <a:ext cx="3960440" cy="432048"/>
+          </a:xfrm>
+          <a:prstGeom prst="rect">
+            <a:avLst/>
+          </a:prstGeom>
+        </p:spPr>
+        <p:style>
+          <a:lnRef idx="2">
+            <a:schemeClr val="dk1"/>
+          </a:lnRef>
+          <a:fillRef idx="1">
+            <a:schemeClr val="lt1"/>
+          </a:fillRef>
+          <a:effectRef idx="0">
+            <a:schemeClr val="dk1"/>
+          </a:effectRef>
+          <a:fontRef idx="minor">
+            <a:schemeClr val="dk1"/>
+          </a:fontRef>
+        </p:style>
+        <p:txBody>
+          <a:bodyPr rtlCol="0" anchor="ctr"/>
+          <a:lstStyle/>
+          <a:p>
+            <a:pPr algn="ctr"/>
+            <a:r>
+              <a:rPr lang="en-US" altLang="ko-KR" sz="1200" smtClean="0"/>
+              <a:t>Protocol </a:t>
+            </a:r>
+            <a:r>
+              <a:rPr lang="en-US" altLang="ko-KR" sz="1200" dirty="0" smtClean="0"/>
+              <a:t>type (2 bytes)</a:t>
+            </a:r>
+            <a:endParaRPr lang="ko-KR" altLang="en-US" sz="1200" dirty="0"/>
+          </a:p>
+        </p:txBody>
+      </p:sp>
+      <p:sp>
+        <p:nvSpPr>
+          <p:cNvPr id="40" name="직사각형 39"/>
+          <p:cNvSpPr/>
+          <p:nvPr/>
+        </p:nvSpPr>
+        <p:spPr>
+          <a:xfrm>
+            <a:off x="4644008" y="2715766"/>
+            <a:ext cx="3960440" cy="432048"/>
+          </a:xfrm>
+          <a:prstGeom prst="rect">
+            <a:avLst/>
+          </a:prstGeom>
+        </p:spPr>
+        <p:style>
+          <a:lnRef idx="2">
+            <a:schemeClr val="dk1"/>
+          </a:lnRef>
+          <a:fillRef idx="1">
+            <a:schemeClr val="lt1"/>
+          </a:fillRef>
+          <a:effectRef idx="0">
+            <a:schemeClr val="dk1"/>
+          </a:effectRef>
+          <a:fontRef idx="minor">
+            <a:schemeClr val="dk1"/>
+          </a:fontRef>
+        </p:style>
+        <p:txBody>
+          <a:bodyPr rtlCol="0" anchor="ctr"/>
+          <a:lstStyle/>
+          <a:p>
+            <a:pPr algn="ctr"/>
+            <a:r>
+              <a:rPr lang="en-US" altLang="ko-KR" sz="1200" dirty="0" smtClean="0"/>
+              <a:t>Operation code (2 bytes)</a:t>
+            </a:r>
+            <a:endParaRPr lang="ko-KR" altLang="en-US" sz="1200" dirty="0"/>
+          </a:p>
+        </p:txBody>
+      </p:sp>
+      <p:sp>
+        <p:nvSpPr>
+          <p:cNvPr id="43" name="직사각형 42"/>
+          <p:cNvSpPr/>
+          <p:nvPr/>
+        </p:nvSpPr>
+        <p:spPr>
+          <a:xfrm>
+            <a:off x="683568" y="2715766"/>
+            <a:ext cx="1980220" cy="432048"/>
+          </a:xfrm>
+          <a:prstGeom prst="rect">
+            <a:avLst/>
+          </a:prstGeom>
+        </p:spPr>
+        <p:style>
+          <a:lnRef idx="2">
+            <a:schemeClr val="dk1"/>
+          </a:lnRef>
+          <a:fillRef idx="1">
+            <a:schemeClr val="lt1"/>
+          </a:fillRef>
+          <a:effectRef idx="0">
+            <a:schemeClr val="dk1"/>
+          </a:effectRef>
+          <a:fontRef idx="minor">
+            <a:schemeClr val="dk1"/>
+          </a:fontRef>
+        </p:style>
+        <p:txBody>
+          <a:bodyPr rtlCol="0" anchor="ctr"/>
+          <a:lstStyle/>
+          <a:p>
+            <a:pPr algn="ctr"/>
+            <a:r>
+              <a:rPr lang="en-US" altLang="ko-KR" sz="1200" dirty="0" smtClean="0"/>
+              <a:t>Hardware address length (</a:t>
+            </a:r>
+            <a:r>
+              <a:rPr lang="en-US" altLang="ko-KR" sz="1200" dirty="0" err="1" smtClean="0"/>
+              <a:t>1byte</a:t>
+            </a:r>
+            <a:r>
+              <a:rPr lang="en-US" altLang="ko-KR" sz="1200" dirty="0" smtClean="0"/>
+              <a:t>)</a:t>
+            </a:r>
+            <a:endParaRPr lang="ko-KR" altLang="en-US" sz="1200" dirty="0"/>
+          </a:p>
+        </p:txBody>
+      </p:sp>
+      <p:sp>
+        <p:nvSpPr>
+          <p:cNvPr id="44" name="직사각형 43"/>
+          <p:cNvSpPr/>
+          <p:nvPr/>
+        </p:nvSpPr>
+        <p:spPr>
+          <a:xfrm>
+            <a:off x="2663788" y="2715766"/>
+            <a:ext cx="1980220" cy="432048"/>
+          </a:xfrm>
+          <a:prstGeom prst="rect">
+            <a:avLst/>
+          </a:prstGeom>
+        </p:spPr>
+        <p:style>
+          <a:lnRef idx="2">
+            <a:schemeClr val="dk1"/>
+          </a:lnRef>
+          <a:fillRef idx="1">
+            <a:schemeClr val="lt1"/>
+          </a:fillRef>
+          <a:effectRef idx="0">
+            <a:schemeClr val="dk1"/>
+          </a:effectRef>
+          <a:fontRef idx="minor">
+            <a:schemeClr val="dk1"/>
+          </a:fontRef>
+        </p:style>
+        <p:txBody>
+          <a:bodyPr rtlCol="0" anchor="ctr"/>
+          <a:lstStyle/>
+          <a:p>
+            <a:pPr algn="ctr"/>
+            <a:r>
+              <a:rPr lang="en-US" altLang="ko-KR" sz="1200" dirty="0" smtClean="0"/>
+              <a:t>Protocol address length (1 byte)</a:t>
+            </a:r>
+            <a:endParaRPr lang="ko-KR" altLang="en-US" sz="1200" dirty="0"/>
+          </a:p>
+        </p:txBody>
+      </p:sp>
+      <p:sp>
+        <p:nvSpPr>
+          <p:cNvPr id="45" name="직사각형 44"/>
+          <p:cNvSpPr/>
+          <p:nvPr/>
+        </p:nvSpPr>
+        <p:spPr>
+          <a:xfrm>
+            <a:off x="683568" y="3147814"/>
+            <a:ext cx="7920880" cy="432048"/>
+          </a:xfrm>
+          <a:prstGeom prst="rect">
+            <a:avLst/>
+          </a:prstGeom>
+        </p:spPr>
+        <p:style>
+          <a:lnRef idx="2">
+            <a:schemeClr val="dk1"/>
+          </a:lnRef>
+          <a:fillRef idx="1">
+            <a:schemeClr val="lt1"/>
+          </a:fillRef>
+          <a:effectRef idx="0">
+            <a:schemeClr val="dk1"/>
+          </a:effectRef>
+          <a:fontRef idx="minor">
+            <a:schemeClr val="dk1"/>
+          </a:fontRef>
+        </p:style>
+        <p:txBody>
+          <a:bodyPr rtlCol="0" anchor="ctr"/>
+          <a:lstStyle/>
+          <a:p>
+            <a:pPr algn="ctr"/>
+            <a:r>
+              <a:rPr lang="en-US" altLang="ko-KR" sz="1200" dirty="0" smtClean="0"/>
+              <a:t>Source hardware address</a:t>
+            </a:r>
+            <a:endParaRPr lang="ko-KR" altLang="en-US" sz="1200" dirty="0"/>
           </a:p>
         </p:txBody>
       </p:sp>
       <p:cxnSp>
         <p:nvCxnSpPr>
-          <p:cNvPr id="32" name="직선 연결선 31"/>
+          <p:cNvPr id="6" name="직선 연결선 5"/>
           <p:cNvCxnSpPr/>
           <p:nvPr/>
         </p:nvCxnSpPr>
         <p:spPr>
           <a:xfrm flipH="1">
-            <a:off x="3433321" y="2283718"/>
-            <a:ext cx="2218799" cy="0"/>
+            <a:off x="683568" y="1491630"/>
+            <a:ext cx="2808312" cy="792088"/>
           </a:xfrm>
           <a:prstGeom prst="line">
             <a:avLst/>
           </a:prstGeom>
-          <a:ln w="28575">
-            <a:headEnd type="arrow" w="med" len="med"/>
-            <a:tailEnd type="none" w="med" len="med"/>
-          </a:ln>
+          <a:ln w="28575"/>
         </p:spPr>
         <p:style>
           <a:lnRef idx="1">
@@ -3693,22 +4181,19 @@
       </p:cxnSp>
       <p:cxnSp>
         <p:nvCxnSpPr>
-          <p:cNvPr id="33" name="직선 연결선 32"/>
+          <p:cNvPr id="46" name="직선 연결선 45"/>
           <p:cNvCxnSpPr/>
           <p:nvPr/>
         </p:nvCxnSpPr>
         <p:spPr>
           <a:xfrm>
-            <a:off x="3433321" y="2643758"/>
-            <a:ext cx="2218799" cy="0"/>
+            <a:off x="6876256" y="1491630"/>
+            <a:ext cx="1728192" cy="792088"/>
           </a:xfrm>
           <a:prstGeom prst="line">
             <a:avLst/>
           </a:prstGeom>
-          <a:ln w="28575">
-            <a:headEnd type="arrow" w="med" len="med"/>
-            <a:tailEnd type="none" w="med" len="med"/>
-          </a:ln>
+          <a:ln w="28575"/>
         </p:spPr>
         <p:style>
           <a:lnRef idx="1">
@@ -3727,21 +4212,204 @@
       </p:cxnSp>
       <p:sp>
         <p:nvSpPr>
-          <p:cNvPr id="36" name="직사각형 35"/>
-          <p:cNvSpPr/>
+          <p:cNvPr id="9" name="TextBox 8"/>
+          <p:cNvSpPr txBox="1"/>
           <p:nvPr/>
         </p:nvSpPr>
         <p:spPr>
           <a:xfrm>
-            <a:off x="1475656" y="2119604"/>
-            <a:ext cx="1800200" cy="308130"/>
+            <a:off x="899592" y="1491630"/>
+            <a:ext cx="648072" cy="276999"/>
           </a:xfrm>
           <a:prstGeom prst="rect">
             <a:avLst/>
           </a:prstGeom>
-          <a:ln>
-            <a:noFill/>
-          </a:ln>
+          <a:noFill/>
+        </p:spPr>
+        <p:txBody>
+          <a:bodyPr wrap="square" rtlCol="0">
+            <a:spAutoFit/>
+          </a:bodyPr>
+          <a:lstStyle/>
+          <a:p>
+            <a:pPr algn="ctr"/>
+            <a:r>
+              <a:rPr lang="en-US" altLang="ko-KR" sz="1200" dirty="0"/>
+              <a:t>6</a:t>
+            </a:r>
+            <a:endParaRPr lang="ko-KR" altLang="en-US" sz="1200" dirty="0"/>
+          </a:p>
+        </p:txBody>
+      </p:sp>
+      <p:sp>
+        <p:nvSpPr>
+          <p:cNvPr id="47" name="TextBox 46"/>
+          <p:cNvSpPr txBox="1"/>
+          <p:nvPr/>
+        </p:nvSpPr>
+        <p:spPr>
+          <a:xfrm>
+            <a:off x="1943708" y="1491630"/>
+            <a:ext cx="648072" cy="276999"/>
+          </a:xfrm>
+          <a:prstGeom prst="rect">
+            <a:avLst/>
+          </a:prstGeom>
+          <a:noFill/>
+        </p:spPr>
+        <p:txBody>
+          <a:bodyPr wrap="square" rtlCol="0">
+            <a:spAutoFit/>
+          </a:bodyPr>
+          <a:lstStyle/>
+          <a:p>
+            <a:pPr algn="ctr"/>
+            <a:r>
+              <a:rPr lang="en-US" altLang="ko-KR" sz="1200" dirty="0" smtClean="0"/>
+              <a:t>6</a:t>
+            </a:r>
+            <a:endParaRPr lang="ko-KR" altLang="en-US" sz="1200" dirty="0"/>
+          </a:p>
+        </p:txBody>
+      </p:sp>
+      <p:sp>
+        <p:nvSpPr>
+          <p:cNvPr id="48" name="TextBox 47"/>
+          <p:cNvSpPr txBox="1"/>
+          <p:nvPr/>
+        </p:nvSpPr>
+        <p:spPr>
+          <a:xfrm>
+            <a:off x="2806638" y="1491630"/>
+            <a:ext cx="648072" cy="276999"/>
+          </a:xfrm>
+          <a:prstGeom prst="rect">
+            <a:avLst/>
+          </a:prstGeom>
+          <a:noFill/>
+        </p:spPr>
+        <p:txBody>
+          <a:bodyPr wrap="square" rtlCol="0">
+            <a:spAutoFit/>
+          </a:bodyPr>
+          <a:lstStyle/>
+          <a:p>
+            <a:pPr algn="ctr"/>
+            <a:r>
+              <a:rPr lang="en-US" altLang="ko-KR" sz="1200" dirty="0" smtClean="0"/>
+              <a:t>2</a:t>
+            </a:r>
+            <a:endParaRPr lang="ko-KR" altLang="en-US" sz="1200" dirty="0"/>
+          </a:p>
+        </p:txBody>
+      </p:sp>
+      <p:sp>
+        <p:nvSpPr>
+          <p:cNvPr id="49" name="TextBox 48"/>
+          <p:cNvSpPr txBox="1"/>
+          <p:nvPr/>
+        </p:nvSpPr>
+        <p:spPr>
+          <a:xfrm>
+            <a:off x="4860032" y="1491630"/>
+            <a:ext cx="648072" cy="276999"/>
+          </a:xfrm>
+          <a:prstGeom prst="rect">
+            <a:avLst/>
+          </a:prstGeom>
+          <a:noFill/>
+        </p:spPr>
+        <p:txBody>
+          <a:bodyPr wrap="square" rtlCol="0">
+            <a:spAutoFit/>
+          </a:bodyPr>
+          <a:lstStyle/>
+          <a:p>
+            <a:pPr algn="ctr"/>
+            <a:r>
+              <a:rPr lang="en-US" altLang="ko-KR" sz="1200" dirty="0" smtClean="0"/>
+              <a:t>28</a:t>
+            </a:r>
+            <a:endParaRPr lang="ko-KR" altLang="en-US" sz="1200" dirty="0"/>
+          </a:p>
+        </p:txBody>
+      </p:sp>
+      <p:sp>
+        <p:nvSpPr>
+          <p:cNvPr id="51" name="TextBox 50"/>
+          <p:cNvSpPr txBox="1"/>
+          <p:nvPr/>
+        </p:nvSpPr>
+        <p:spPr>
+          <a:xfrm>
+            <a:off x="6984268" y="1491630"/>
+            <a:ext cx="648072" cy="276999"/>
+          </a:xfrm>
+          <a:prstGeom prst="rect">
+            <a:avLst/>
+          </a:prstGeom>
+          <a:noFill/>
+        </p:spPr>
+        <p:txBody>
+          <a:bodyPr wrap="square" rtlCol="0">
+            <a:spAutoFit/>
+          </a:bodyPr>
+          <a:lstStyle/>
+          <a:p>
+            <a:pPr algn="ctr"/>
+            <a:r>
+              <a:rPr lang="en-US" altLang="ko-KR" sz="1200" dirty="0" smtClean="0"/>
+              <a:t>10</a:t>
+            </a:r>
+            <a:endParaRPr lang="ko-KR" altLang="en-US" sz="1200" dirty="0"/>
+          </a:p>
+        </p:txBody>
+      </p:sp>
+      <p:sp>
+        <p:nvSpPr>
+          <p:cNvPr id="52" name="TextBox 51"/>
+          <p:cNvSpPr txBox="1"/>
+          <p:nvPr/>
+        </p:nvSpPr>
+        <p:spPr>
+          <a:xfrm>
+            <a:off x="899592" y="782583"/>
+            <a:ext cx="2231082" cy="276999"/>
+          </a:xfrm>
+          <a:prstGeom prst="rect">
+            <a:avLst/>
+          </a:prstGeom>
+          <a:noFill/>
+        </p:spPr>
+        <p:txBody>
+          <a:bodyPr wrap="square" rtlCol="0">
+            <a:spAutoFit/>
+          </a:bodyPr>
+          <a:lstStyle/>
+          <a:p>
+            <a:pPr algn="ctr"/>
+            <a:r>
+              <a:rPr lang="en-US" altLang="ko-KR" sz="1200" dirty="0" smtClean="0"/>
+              <a:t>Ethernet header</a:t>
+            </a:r>
+            <a:endParaRPr lang="ko-KR" altLang="en-US" sz="1200" dirty="0"/>
+          </a:p>
+        </p:txBody>
+      </p:sp>
+      <p:sp>
+        <p:nvSpPr>
+          <p:cNvPr id="53" name="직사각형 52"/>
+          <p:cNvSpPr/>
+          <p:nvPr/>
+        </p:nvSpPr>
+        <p:spPr>
+          <a:xfrm>
+            <a:off x="683568" y="3579862"/>
+            <a:ext cx="7920880" cy="432048"/>
+          </a:xfrm>
+          <a:prstGeom prst="rect">
+            <a:avLst/>
+          </a:prstGeom>
         </p:spPr>
         <p:style>
           <a:lnRef idx="2">
@@ -3763,31 +4431,35 @@
           <a:p>
             <a:pPr algn="ctr"/>
             <a:r>
-              <a:rPr lang="en-US" altLang="ko-KR" sz="1400" dirty="0" smtClean="0"/>
-              <a:t>Destination IP</a:t>
-            </a:r>
-            <a:endParaRPr lang="ko-KR" altLang="en-US" sz="1400" dirty="0"/>
-          </a:p>
-        </p:txBody>
-      </p:sp>
-      <p:sp>
-        <p:nvSpPr>
-          <p:cNvPr id="37" name="직사각형 36"/>
+              <a:rPr lang="en-US" altLang="ko-KR" sz="1200" dirty="0" smtClean="0"/>
+              <a:t>Source </a:t>
+            </a:r>
+            <a:r>
+              <a:rPr lang="en-US" altLang="ko-KR" sz="1200" dirty="0" err="1" smtClean="0"/>
+              <a:t>protocal</a:t>
+            </a:r>
+            <a:r>
+              <a:rPr lang="en-US" altLang="ko-KR" sz="1200" dirty="0" smtClean="0"/>
+              <a:t> address</a:t>
+            </a:r>
+            <a:endParaRPr lang="ko-KR" altLang="en-US" sz="1200" dirty="0"/>
+          </a:p>
+        </p:txBody>
+      </p:sp>
+      <p:sp>
+        <p:nvSpPr>
+          <p:cNvPr id="55" name="직사각형 54"/>
           <p:cNvSpPr/>
           <p:nvPr/>
         </p:nvSpPr>
         <p:spPr>
           <a:xfrm>
-            <a:off x="4002660" y="1943776"/>
-            <a:ext cx="1080120" cy="339942"/>
+            <a:off x="683568" y="4443958"/>
+            <a:ext cx="7920880" cy="432048"/>
           </a:xfrm>
           <a:prstGeom prst="rect">
             <a:avLst/>
           </a:prstGeom>
-          <a:noFill/>
-          <a:ln>
-            <a:noFill/>
-          </a:ln>
         </p:spPr>
         <p:style>
           <a:lnRef idx="2">
@@ -3809,31 +4481,35 @@
           <a:p>
             <a:pPr algn="ctr"/>
             <a:r>
-              <a:rPr lang="en-US" altLang="ko-KR" sz="1400" dirty="0" smtClean="0"/>
-              <a:t>ARP</a:t>
-            </a:r>
-            <a:endParaRPr lang="ko-KR" altLang="en-US" sz="1400" dirty="0"/>
-          </a:p>
-        </p:txBody>
-      </p:sp>
-      <p:sp>
-        <p:nvSpPr>
-          <p:cNvPr id="38" name="직사각형 37"/>
+              <a:rPr lang="en-US" altLang="ko-KR" sz="1200" dirty="0" smtClean="0"/>
+              <a:t>Target </a:t>
+            </a:r>
+            <a:r>
+              <a:rPr lang="en-US" altLang="ko-KR" sz="1200" dirty="0" err="1" smtClean="0"/>
+              <a:t>protocal</a:t>
+            </a:r>
+            <a:r>
+              <a:rPr lang="en-US" altLang="ko-KR" sz="1200" dirty="0" smtClean="0"/>
+              <a:t> address</a:t>
+            </a:r>
+            <a:endParaRPr lang="ko-KR" altLang="en-US" sz="1200" dirty="0"/>
+          </a:p>
+        </p:txBody>
+      </p:sp>
+      <p:sp>
+        <p:nvSpPr>
+          <p:cNvPr id="56" name="직사각형 55"/>
           <p:cNvSpPr/>
           <p:nvPr/>
         </p:nvSpPr>
         <p:spPr>
           <a:xfrm>
-            <a:off x="4002660" y="2643758"/>
-            <a:ext cx="1080120" cy="339942"/>
+            <a:off x="683568" y="4011910"/>
+            <a:ext cx="7920880" cy="432048"/>
           </a:xfrm>
           <a:prstGeom prst="rect">
             <a:avLst/>
           </a:prstGeom>
-          <a:noFill/>
-          <a:ln>
-            <a:noFill/>
-          </a:ln>
         </p:spPr>
         <p:style>
           <a:lnRef idx="2">
@@ -3855,194 +4531,48 @@
           <a:p>
             <a:pPr algn="ctr"/>
             <a:r>
-              <a:rPr lang="en-US" altLang="ko-KR" sz="1400" dirty="0" err="1" smtClean="0"/>
-              <a:t>RARP</a:t>
-            </a:r>
-            <a:endParaRPr lang="ko-KR" altLang="en-US" sz="1400" dirty="0"/>
-          </a:p>
-        </p:txBody>
-      </p:sp>
-      <p:sp>
-        <p:nvSpPr>
-          <p:cNvPr id="41" name="직사각형 40"/>
-          <p:cNvSpPr/>
+              <a:rPr lang="en-US" altLang="ko-KR" sz="1200" dirty="0" smtClean="0"/>
+              <a:t>Target hardware address</a:t>
+            </a:r>
+            <a:endParaRPr lang="ko-KR" altLang="en-US" sz="1200" dirty="0"/>
+          </a:p>
+        </p:txBody>
+      </p:sp>
+      <p:sp>
+        <p:nvSpPr>
+          <p:cNvPr id="57" name="TextBox 56"/>
+          <p:cNvSpPr txBox="1"/>
           <p:nvPr/>
         </p:nvSpPr>
         <p:spPr>
           <a:xfrm>
-            <a:off x="1475656" y="2499742"/>
-            <a:ext cx="1800200" cy="308130"/>
-          </a:xfrm>
-          <a:prstGeom prst="rect">
-            <a:avLst/>
-          </a:prstGeom>
-          <a:ln>
-            <a:noFill/>
-          </a:ln>
-        </p:spPr>
-        <p:style>
-          <a:lnRef idx="2">
-            <a:schemeClr val="dk1"/>
-          </a:lnRef>
-          <a:fillRef idx="1">
-            <a:schemeClr val="lt1"/>
-          </a:fillRef>
-          <a:effectRef idx="0">
-            <a:schemeClr val="dk1"/>
-          </a:effectRef>
-          <a:fontRef idx="minor">
-            <a:schemeClr val="dk1"/>
-          </a:fontRef>
-        </p:style>
-        <p:txBody>
-          <a:bodyPr rtlCol="0" anchor="ctr"/>
-          <a:lstStyle/>
-          <a:p>
-            <a:pPr algn="ctr"/>
-            <a:r>
-              <a:rPr lang="en-US" altLang="ko-KR" sz="1400" dirty="0" smtClean="0"/>
-              <a:t>Destination MAC ?</a:t>
-            </a:r>
-            <a:endParaRPr lang="ko-KR" altLang="en-US" sz="1400" dirty="0"/>
-          </a:p>
-        </p:txBody>
-      </p:sp>
-      <p:sp>
-        <p:nvSpPr>
-          <p:cNvPr id="50" name="모서리가 둥근 직사각형 49"/>
-          <p:cNvSpPr/>
-          <p:nvPr/>
-        </p:nvSpPr>
-        <p:spPr>
-          <a:xfrm>
-            <a:off x="5652120" y="1995686"/>
-            <a:ext cx="2088232" cy="936104"/>
-          </a:xfrm>
-          <a:prstGeom prst="roundRect">
-            <a:avLst>
-              <a:gd name="adj" fmla="val 9458"/>
-            </a:avLst>
-          </a:prstGeom>
-        </p:spPr>
-        <p:style>
-          <a:lnRef idx="2">
-            <a:schemeClr val="dk1"/>
-          </a:lnRef>
-          <a:fillRef idx="1">
-            <a:schemeClr val="lt1"/>
-          </a:fillRef>
-          <a:effectRef idx="0">
-            <a:schemeClr val="dk1"/>
-          </a:effectRef>
-          <a:fontRef idx="minor">
-            <a:schemeClr val="dk1"/>
-          </a:fontRef>
-        </p:style>
-        <p:txBody>
-          <a:bodyPr rtlCol="0" anchor="ctr"/>
-          <a:lstStyle/>
-          <a:p>
-            <a:pPr algn="ctr"/>
-            <a:endParaRPr lang="ko-KR" altLang="en-US" sz="2000"/>
-          </a:p>
-        </p:txBody>
-      </p:sp>
-      <p:sp>
-        <p:nvSpPr>
-          <p:cNvPr id="54" name="직사각형 53"/>
-          <p:cNvSpPr/>
-          <p:nvPr/>
-        </p:nvSpPr>
-        <p:spPr>
-          <a:xfrm>
-            <a:off x="1835696" y="2938281"/>
-            <a:ext cx="1080120" cy="339942"/>
+            <a:off x="7848364" y="1491630"/>
+            <a:ext cx="648072" cy="276999"/>
           </a:xfrm>
           <a:prstGeom prst="rect">
             <a:avLst/>
           </a:prstGeom>
           <a:noFill/>
-          <a:ln>
-            <a:noFill/>
-          </a:ln>
-        </p:spPr>
-        <p:style>
-          <a:lnRef idx="2">
-            <a:schemeClr val="dk1"/>
-          </a:lnRef>
-          <a:fillRef idx="1">
-            <a:schemeClr val="lt1"/>
-          </a:fillRef>
-          <a:effectRef idx="0">
-            <a:schemeClr val="dk1"/>
-          </a:effectRef>
-          <a:fontRef idx="minor">
-            <a:schemeClr val="dk1"/>
-          </a:fontRef>
-        </p:style>
-        <p:txBody>
-          <a:bodyPr rtlCol="0" anchor="ctr"/>
+        </p:spPr>
+        <p:txBody>
+          <a:bodyPr wrap="square" rtlCol="0">
+            <a:spAutoFit/>
+          </a:bodyPr>
           <a:lstStyle/>
           <a:p>
             <a:pPr algn="ctr"/>
             <a:r>
-              <a:rPr lang="en-US" altLang="ko-KR" sz="1400" dirty="0" smtClean="0"/>
-              <a:t>Source</a:t>
-            </a:r>
-            <a:endParaRPr lang="ko-KR" altLang="en-US" sz="1400" dirty="0"/>
-          </a:p>
-        </p:txBody>
-      </p:sp>
-      <p:sp>
-        <p:nvSpPr>
-          <p:cNvPr id="58" name="직사각형 57"/>
-          <p:cNvSpPr/>
-          <p:nvPr/>
-        </p:nvSpPr>
-        <p:spPr>
-          <a:xfrm>
-            <a:off x="6012160" y="2938281"/>
-            <a:ext cx="1368152" cy="339942"/>
-          </a:xfrm>
-          <a:prstGeom prst="rect">
-            <a:avLst/>
-          </a:prstGeom>
-          <a:noFill/>
-          <a:ln>
-            <a:noFill/>
-          </a:ln>
-        </p:spPr>
-        <p:style>
-          <a:lnRef idx="2">
-            <a:schemeClr val="dk1"/>
-          </a:lnRef>
-          <a:fillRef idx="1">
-            <a:schemeClr val="lt1"/>
-          </a:fillRef>
-          <a:effectRef idx="0">
-            <a:schemeClr val="dk1"/>
-          </a:effectRef>
-          <a:fontRef idx="minor">
-            <a:schemeClr val="dk1"/>
-          </a:fontRef>
-        </p:style>
-        <p:txBody>
-          <a:bodyPr rtlCol="0" anchor="ctr"/>
-          <a:lstStyle/>
-          <a:p>
-            <a:pPr algn="ctr"/>
-            <a:r>
-              <a:rPr lang="en-US" altLang="ko-KR" sz="1400" dirty="0" smtClean="0"/>
-              <a:t>Destination</a:t>
-            </a:r>
-            <a:endParaRPr lang="ko-KR" altLang="en-US" sz="1400" dirty="0"/>
+              <a:rPr lang="en-US" altLang="ko-KR" sz="1200" dirty="0" smtClean="0"/>
+              <a:t>4</a:t>
+            </a:r>
+            <a:endParaRPr lang="ko-KR" altLang="en-US" sz="1200" dirty="0"/>
           </a:p>
         </p:txBody>
       </p:sp>
     </p:spTree>
     <p:extLst>
       <p:ext uri="{BB962C8B-B14F-4D97-AF65-F5344CB8AC3E}">
-        <p14:creationId xmlns:p14="http://schemas.microsoft.com/office/powerpoint/2010/main" val="754698264"/>
+        <p14:creationId xmlns:p14="http://schemas.microsoft.com/office/powerpoint/2010/main" val="4156384484"/>
       </p:ext>
     </p:extLst>
   </p:cSld>
@@ -4097,8 +4627,8 @@
           <a:lstStyle/>
           <a:p>
             <a:r>
-              <a:rPr lang="en-US" altLang="ko-KR" dirty="0" smtClean="0"/>
-              <a:t>ARP Packet Format</a:t>
+              <a:rPr lang="en-US" altLang="ko-KR" smtClean="0"/>
+              <a:t>ARP Flow</a:t>
             </a:r>
             <a:endParaRPr lang="ko-KR" altLang="en-US" dirty="0"/>
           </a:p>
@@ -4106,17 +4636,19 @@
       </p:sp>
       <p:sp>
         <p:nvSpPr>
-          <p:cNvPr id="4" name="직사각형 3"/>
+          <p:cNvPr id="3" name="모서리가 둥근 직사각형 2"/>
           <p:cNvSpPr/>
           <p:nvPr/>
         </p:nvSpPr>
         <p:spPr>
           <a:xfrm>
-            <a:off x="683568" y="1059582"/>
-            <a:ext cx="1080120" cy="432048"/>
-          </a:xfrm>
-          <a:prstGeom prst="rect">
-            <a:avLst/>
+            <a:off x="467544" y="2028785"/>
+            <a:ext cx="2088232" cy="1080120"/>
+          </a:xfrm>
+          <a:prstGeom prst="roundRect">
+            <a:avLst>
+              <a:gd name="adj" fmla="val 9458"/>
+            </a:avLst>
           </a:prstGeom>
         </p:spPr>
         <p:style>
@@ -4139,521 +4671,46 @@
           <a:p>
             <a:pPr algn="ctr"/>
             <a:r>
-              <a:rPr lang="en-US" altLang="ko-KR" sz="1200" dirty="0" smtClean="0"/>
-              <a:t>Destination address</a:t>
-            </a:r>
-            <a:endParaRPr lang="ko-KR" altLang="en-US" sz="1200" dirty="0"/>
-          </a:p>
-        </p:txBody>
-      </p:sp>
-      <p:sp>
-        <p:nvSpPr>
-          <p:cNvPr id="22" name="직사각형 21"/>
-          <p:cNvSpPr/>
-          <p:nvPr/>
-        </p:nvSpPr>
-        <p:spPr>
-          <a:xfrm>
-            <a:off x="1763688" y="1059582"/>
-            <a:ext cx="1008112" cy="432048"/>
-          </a:xfrm>
-          <a:prstGeom prst="rect">
-            <a:avLst/>
-          </a:prstGeom>
-        </p:spPr>
-        <p:style>
-          <a:lnRef idx="2">
-            <a:schemeClr val="dk1"/>
-          </a:lnRef>
-          <a:fillRef idx="1">
-            <a:schemeClr val="lt1"/>
-          </a:fillRef>
-          <a:effectRef idx="0">
-            <a:schemeClr val="dk1"/>
-          </a:effectRef>
-          <a:fontRef idx="minor">
-            <a:schemeClr val="dk1"/>
-          </a:fontRef>
-        </p:style>
-        <p:txBody>
-          <a:bodyPr rtlCol="0" anchor="ctr"/>
-          <a:lstStyle/>
+              <a:rPr lang="en-US" altLang="ko-KR" sz="1600" smtClean="0"/>
+              <a:t>192.168.0.100</a:t>
+            </a:r>
+          </a:p>
           <a:p>
             <a:pPr algn="ctr"/>
-            <a:r>
-              <a:rPr lang="en-US" altLang="ko-KR" sz="1200" dirty="0" smtClean="0"/>
-              <a:t>Source address</a:t>
-            </a:r>
-            <a:endParaRPr lang="ko-KR" altLang="en-US" sz="1200" dirty="0"/>
-          </a:p>
-        </p:txBody>
-      </p:sp>
-      <p:sp>
-        <p:nvSpPr>
-          <p:cNvPr id="23" name="직사각형 22"/>
-          <p:cNvSpPr/>
-          <p:nvPr/>
-        </p:nvSpPr>
-        <p:spPr>
-          <a:xfrm>
-            <a:off x="2769469" y="1059582"/>
-            <a:ext cx="722411" cy="432048"/>
-          </a:xfrm>
-          <a:prstGeom prst="rect">
-            <a:avLst/>
-          </a:prstGeom>
-        </p:spPr>
-        <p:style>
-          <a:lnRef idx="2">
-            <a:schemeClr val="dk1"/>
-          </a:lnRef>
-          <a:fillRef idx="1">
-            <a:schemeClr val="lt1"/>
-          </a:fillRef>
-          <a:effectRef idx="0">
-            <a:schemeClr val="dk1"/>
-          </a:effectRef>
-          <a:fontRef idx="minor">
-            <a:schemeClr val="dk1"/>
-          </a:fontRef>
-        </p:style>
-        <p:txBody>
-          <a:bodyPr rtlCol="0" anchor="ctr"/>
-          <a:lstStyle/>
+            <a:endParaRPr lang="en-US" altLang="ko-KR" sz="1600" smtClean="0"/>
+          </a:p>
           <a:p>
             <a:pPr algn="ctr"/>
             <a:r>
-              <a:rPr lang="en-US" altLang="ko-KR" sz="1200" dirty="0" smtClean="0"/>
-              <a:t>Type</a:t>
-            </a:r>
-          </a:p>
-          <a:p>
-            <a:pPr algn="ctr"/>
-            <a:r>
-              <a:rPr lang="en-US" altLang="ko-KR" sz="1200" dirty="0" err="1" smtClean="0"/>
-              <a:t>0x8060</a:t>
-            </a:r>
-            <a:endParaRPr lang="ko-KR" altLang="en-US" sz="1200" dirty="0"/>
-          </a:p>
-        </p:txBody>
-      </p:sp>
-      <p:sp>
-        <p:nvSpPr>
-          <p:cNvPr id="26" name="직사각형 25"/>
-          <p:cNvSpPr/>
-          <p:nvPr/>
-        </p:nvSpPr>
-        <p:spPr>
-          <a:xfrm>
-            <a:off x="3491880" y="1059582"/>
-            <a:ext cx="3384376" cy="432048"/>
-          </a:xfrm>
-          <a:prstGeom prst="rect">
-            <a:avLst/>
-          </a:prstGeom>
-        </p:spPr>
-        <p:style>
-          <a:lnRef idx="2">
-            <a:schemeClr val="dk1"/>
-          </a:lnRef>
-          <a:fillRef idx="1">
-            <a:schemeClr val="lt1"/>
-          </a:fillRef>
-          <a:effectRef idx="0">
-            <a:schemeClr val="dk1"/>
-          </a:effectRef>
-          <a:fontRef idx="minor">
-            <a:schemeClr val="dk1"/>
-          </a:fontRef>
-        </p:style>
-        <p:txBody>
-          <a:bodyPr rtlCol="0" anchor="ctr"/>
-          <a:lstStyle/>
-          <a:p>
-            <a:pPr algn="ctr"/>
-            <a:r>
-              <a:rPr lang="en-US" altLang="ko-KR" sz="1200" dirty="0" smtClean="0"/>
-              <a:t>ARP or </a:t>
-            </a:r>
-            <a:r>
-              <a:rPr lang="en-US" altLang="ko-KR" sz="1200" dirty="0" err="1" smtClean="0"/>
-              <a:t>RARP</a:t>
-            </a:r>
-            <a:endParaRPr lang="ko-KR" altLang="en-US" sz="1200" dirty="0"/>
-          </a:p>
-        </p:txBody>
-      </p:sp>
-      <p:sp>
-        <p:nvSpPr>
-          <p:cNvPr id="28" name="직사각형 27"/>
-          <p:cNvSpPr/>
-          <p:nvPr/>
-        </p:nvSpPr>
-        <p:spPr>
-          <a:xfrm>
-            <a:off x="6876256" y="1059582"/>
-            <a:ext cx="864096" cy="432048"/>
-          </a:xfrm>
-          <a:prstGeom prst="rect">
-            <a:avLst/>
-          </a:prstGeom>
-        </p:spPr>
-        <p:style>
-          <a:lnRef idx="2">
-            <a:schemeClr val="dk1"/>
-          </a:lnRef>
-          <a:fillRef idx="1">
-            <a:schemeClr val="lt1"/>
-          </a:fillRef>
-          <a:effectRef idx="0">
-            <a:schemeClr val="dk1"/>
-          </a:effectRef>
-          <a:fontRef idx="minor">
-            <a:schemeClr val="dk1"/>
-          </a:fontRef>
-        </p:style>
-        <p:txBody>
-          <a:bodyPr rtlCol="0" anchor="ctr"/>
-          <a:lstStyle/>
-          <a:p>
-            <a:pPr algn="ctr"/>
-            <a:r>
-              <a:rPr lang="en-US" altLang="ko-KR" sz="1200" dirty="0" smtClean="0"/>
-              <a:t>Padding</a:t>
-            </a:r>
-            <a:endParaRPr lang="ko-KR" altLang="en-US" sz="1200" dirty="0"/>
-          </a:p>
-        </p:txBody>
-      </p:sp>
-      <p:sp>
-        <p:nvSpPr>
-          <p:cNvPr id="29" name="직사각형 28"/>
-          <p:cNvSpPr/>
-          <p:nvPr/>
-        </p:nvSpPr>
-        <p:spPr>
-          <a:xfrm>
-            <a:off x="7740352" y="1059582"/>
-            <a:ext cx="864096" cy="432048"/>
-          </a:xfrm>
-          <a:prstGeom prst="rect">
-            <a:avLst/>
-          </a:prstGeom>
-        </p:spPr>
-        <p:style>
-          <a:lnRef idx="2">
-            <a:schemeClr val="dk1"/>
-          </a:lnRef>
-          <a:fillRef idx="1">
-            <a:schemeClr val="lt1"/>
-          </a:fillRef>
-          <a:effectRef idx="0">
-            <a:schemeClr val="dk1"/>
-          </a:effectRef>
-          <a:fontRef idx="minor">
-            <a:schemeClr val="dk1"/>
-          </a:fontRef>
-        </p:style>
-        <p:txBody>
-          <a:bodyPr rtlCol="0" anchor="ctr"/>
-          <a:lstStyle/>
-          <a:p>
-            <a:pPr algn="ctr"/>
-            <a:r>
-              <a:rPr lang="en-US" altLang="ko-KR" sz="1200" dirty="0" err="1" smtClean="0"/>
-              <a:t>CRC</a:t>
-            </a:r>
-            <a:endParaRPr lang="ko-KR" altLang="en-US" sz="1200" dirty="0"/>
-          </a:p>
-        </p:txBody>
-      </p:sp>
-      <p:sp>
-        <p:nvSpPr>
-          <p:cNvPr id="30" name="직사각형 29"/>
-          <p:cNvSpPr/>
-          <p:nvPr/>
-        </p:nvSpPr>
-        <p:spPr>
-          <a:xfrm>
-            <a:off x="683568" y="2283718"/>
-            <a:ext cx="3960440" cy="432048"/>
-          </a:xfrm>
-          <a:prstGeom prst="rect">
-            <a:avLst/>
-          </a:prstGeom>
-        </p:spPr>
-        <p:style>
-          <a:lnRef idx="2">
-            <a:schemeClr val="dk1"/>
-          </a:lnRef>
-          <a:fillRef idx="1">
-            <a:schemeClr val="lt1"/>
-          </a:fillRef>
-          <a:effectRef idx="0">
-            <a:schemeClr val="dk1"/>
-          </a:effectRef>
-          <a:fontRef idx="minor">
-            <a:schemeClr val="dk1"/>
-          </a:fontRef>
-        </p:style>
-        <p:txBody>
-          <a:bodyPr rtlCol="0" anchor="ctr"/>
-          <a:lstStyle/>
-          <a:p>
-            <a:pPr algn="ctr"/>
-            <a:r>
-              <a:rPr lang="en-US" altLang="ko-KR" sz="1200" dirty="0" smtClean="0"/>
-              <a:t>Hardware type (</a:t>
-            </a:r>
-            <a:r>
-              <a:rPr lang="en-US" altLang="ko-KR" sz="1200" dirty="0" err="1" smtClean="0"/>
-              <a:t>2bytes</a:t>
-            </a:r>
-            <a:r>
-              <a:rPr lang="en-US" altLang="ko-KR" sz="1200" dirty="0" smtClean="0"/>
-              <a:t>)</a:t>
-            </a:r>
-            <a:endParaRPr lang="ko-KR" altLang="en-US" sz="1200" dirty="0"/>
-          </a:p>
-        </p:txBody>
-      </p:sp>
-      <p:sp>
-        <p:nvSpPr>
-          <p:cNvPr id="39" name="직사각형 38"/>
-          <p:cNvSpPr/>
-          <p:nvPr/>
-        </p:nvSpPr>
-        <p:spPr>
-          <a:xfrm>
-            <a:off x="4644008" y="2283718"/>
-            <a:ext cx="3960440" cy="432048"/>
-          </a:xfrm>
-          <a:prstGeom prst="rect">
-            <a:avLst/>
-          </a:prstGeom>
-        </p:spPr>
-        <p:style>
-          <a:lnRef idx="2">
-            <a:schemeClr val="dk1"/>
-          </a:lnRef>
-          <a:fillRef idx="1">
-            <a:schemeClr val="lt1"/>
-          </a:fillRef>
-          <a:effectRef idx="0">
-            <a:schemeClr val="dk1"/>
-          </a:effectRef>
-          <a:fontRef idx="minor">
-            <a:schemeClr val="dk1"/>
-          </a:fontRef>
-        </p:style>
-        <p:txBody>
-          <a:bodyPr rtlCol="0" anchor="ctr"/>
-          <a:lstStyle/>
-          <a:p>
-            <a:pPr algn="ctr"/>
-            <a:r>
-              <a:rPr lang="en-US" altLang="ko-KR" sz="1200" dirty="0" err="1" smtClean="0"/>
-              <a:t>Protocal</a:t>
-            </a:r>
-            <a:r>
-              <a:rPr lang="en-US" altLang="ko-KR" sz="1200" dirty="0" smtClean="0"/>
-              <a:t> type (2 bytes)</a:t>
-            </a:r>
-            <a:endParaRPr lang="ko-KR" altLang="en-US" sz="1200" dirty="0"/>
-          </a:p>
-        </p:txBody>
-      </p:sp>
-      <p:sp>
-        <p:nvSpPr>
-          <p:cNvPr id="40" name="직사각형 39"/>
-          <p:cNvSpPr/>
-          <p:nvPr/>
-        </p:nvSpPr>
-        <p:spPr>
-          <a:xfrm>
-            <a:off x="4644008" y="2715766"/>
-            <a:ext cx="3960440" cy="432048"/>
-          </a:xfrm>
-          <a:prstGeom prst="rect">
-            <a:avLst/>
-          </a:prstGeom>
-        </p:spPr>
-        <p:style>
-          <a:lnRef idx="2">
-            <a:schemeClr val="dk1"/>
-          </a:lnRef>
-          <a:fillRef idx="1">
-            <a:schemeClr val="lt1"/>
-          </a:fillRef>
-          <a:effectRef idx="0">
-            <a:schemeClr val="dk1"/>
-          </a:effectRef>
-          <a:fontRef idx="minor">
-            <a:schemeClr val="dk1"/>
-          </a:fontRef>
-        </p:style>
-        <p:txBody>
-          <a:bodyPr rtlCol="0" anchor="ctr"/>
-          <a:lstStyle/>
-          <a:p>
-            <a:pPr algn="ctr"/>
-            <a:r>
-              <a:rPr lang="en-US" altLang="ko-KR" sz="1200" dirty="0" smtClean="0"/>
-              <a:t>Operation code (2 bytes)</a:t>
-            </a:r>
-            <a:endParaRPr lang="ko-KR" altLang="en-US" sz="1200" dirty="0"/>
-          </a:p>
-        </p:txBody>
-      </p:sp>
-      <p:sp>
-        <p:nvSpPr>
-          <p:cNvPr id="43" name="직사각형 42"/>
-          <p:cNvSpPr/>
-          <p:nvPr/>
-        </p:nvSpPr>
-        <p:spPr>
-          <a:xfrm>
-            <a:off x="683568" y="2715766"/>
-            <a:ext cx="1980220" cy="432048"/>
-          </a:xfrm>
-          <a:prstGeom prst="rect">
-            <a:avLst/>
-          </a:prstGeom>
-        </p:spPr>
-        <p:style>
-          <a:lnRef idx="2">
-            <a:schemeClr val="dk1"/>
-          </a:lnRef>
-          <a:fillRef idx="1">
-            <a:schemeClr val="lt1"/>
-          </a:fillRef>
-          <a:effectRef idx="0">
-            <a:schemeClr val="dk1"/>
-          </a:effectRef>
-          <a:fontRef idx="minor">
-            <a:schemeClr val="dk1"/>
-          </a:fontRef>
-        </p:style>
-        <p:txBody>
-          <a:bodyPr rtlCol="0" anchor="ctr"/>
-          <a:lstStyle/>
-          <a:p>
-            <a:pPr algn="ctr"/>
-            <a:r>
-              <a:rPr lang="en-US" altLang="ko-KR" sz="1200" dirty="0" smtClean="0"/>
-              <a:t>Hardware address length (</a:t>
-            </a:r>
-            <a:r>
-              <a:rPr lang="en-US" altLang="ko-KR" sz="1200" dirty="0" err="1" smtClean="0"/>
-              <a:t>1byte</a:t>
-            </a:r>
-            <a:r>
-              <a:rPr lang="en-US" altLang="ko-KR" sz="1200" dirty="0" smtClean="0"/>
-              <a:t>)</a:t>
-            </a:r>
-            <a:endParaRPr lang="ko-KR" altLang="en-US" sz="1200" dirty="0"/>
-          </a:p>
-        </p:txBody>
-      </p:sp>
-      <p:sp>
-        <p:nvSpPr>
-          <p:cNvPr id="44" name="직사각형 43"/>
-          <p:cNvSpPr/>
-          <p:nvPr/>
-        </p:nvSpPr>
-        <p:spPr>
-          <a:xfrm>
-            <a:off x="2663788" y="2715766"/>
-            <a:ext cx="1980220" cy="432048"/>
-          </a:xfrm>
-          <a:prstGeom prst="rect">
-            <a:avLst/>
-          </a:prstGeom>
-        </p:spPr>
-        <p:style>
-          <a:lnRef idx="2">
-            <a:schemeClr val="dk1"/>
-          </a:lnRef>
-          <a:fillRef idx="1">
-            <a:schemeClr val="lt1"/>
-          </a:fillRef>
-          <a:effectRef idx="0">
-            <a:schemeClr val="dk1"/>
-          </a:effectRef>
-          <a:fontRef idx="minor">
-            <a:schemeClr val="dk1"/>
-          </a:fontRef>
-        </p:style>
-        <p:txBody>
-          <a:bodyPr rtlCol="0" anchor="ctr"/>
-          <a:lstStyle/>
-          <a:p>
-            <a:pPr algn="ctr"/>
-            <a:r>
-              <a:rPr lang="en-US" altLang="ko-KR" sz="1200" dirty="0" smtClean="0"/>
-              <a:t>Protocol address length (1 byte)</a:t>
-            </a:r>
-            <a:endParaRPr lang="ko-KR" altLang="en-US" sz="1200" dirty="0"/>
-          </a:p>
-        </p:txBody>
-      </p:sp>
-      <p:sp>
-        <p:nvSpPr>
-          <p:cNvPr id="45" name="직사각형 44"/>
-          <p:cNvSpPr/>
-          <p:nvPr/>
-        </p:nvSpPr>
-        <p:spPr>
-          <a:xfrm>
-            <a:off x="683568" y="3147814"/>
-            <a:ext cx="7920880" cy="432048"/>
-          </a:xfrm>
-          <a:prstGeom prst="rect">
-            <a:avLst/>
-          </a:prstGeom>
-        </p:spPr>
-        <p:style>
-          <a:lnRef idx="2">
-            <a:schemeClr val="dk1"/>
-          </a:lnRef>
-          <a:fillRef idx="1">
-            <a:schemeClr val="lt1"/>
-          </a:fillRef>
-          <a:effectRef idx="0">
-            <a:schemeClr val="dk1"/>
-          </a:effectRef>
-          <a:fontRef idx="minor">
-            <a:schemeClr val="dk1"/>
-          </a:fontRef>
-        </p:style>
-        <p:txBody>
-          <a:bodyPr rtlCol="0" anchor="ctr"/>
-          <a:lstStyle/>
-          <a:p>
-            <a:pPr algn="ctr"/>
-            <a:r>
-              <a:rPr lang="en-US" altLang="ko-KR" sz="1200" dirty="0" smtClean="0"/>
-              <a:t>Source hardware address</a:t>
-            </a:r>
-            <a:endParaRPr lang="ko-KR" altLang="en-US" sz="1200" dirty="0"/>
+              <a:rPr lang="en-US" altLang="ko-KR" sz="1600" smtClean="0"/>
+              <a:t>11</a:t>
+            </a:r>
+            <a:r>
+              <a:rPr lang="en-US" altLang="ko-KR" sz="1600" smtClean="0"/>
+              <a:t>:11:11:11:11:11</a:t>
+            </a:r>
+            <a:endParaRPr lang="ko-KR" altLang="en-US" sz="1600"/>
           </a:p>
         </p:txBody>
       </p:sp>
       <p:cxnSp>
         <p:nvCxnSpPr>
-          <p:cNvPr id="6" name="직선 연결선 5"/>
+          <p:cNvPr id="32" name="직선 연결선 31"/>
           <p:cNvCxnSpPr/>
           <p:nvPr/>
         </p:nvCxnSpPr>
         <p:spPr>
           <a:xfrm flipH="1">
-            <a:off x="683568" y="1491630"/>
-            <a:ext cx="2808312" cy="792088"/>
+            <a:off x="2555777" y="2172801"/>
+            <a:ext cx="3973887" cy="0"/>
           </a:xfrm>
           <a:prstGeom prst="line">
             <a:avLst/>
           </a:prstGeom>
-          <a:ln w="28575"/>
+          <a:ln w="28575">
+            <a:headEnd type="arrow" w="med" len="med"/>
+            <a:tailEnd type="none" w="med" len="med"/>
+          </a:ln>
         </p:spPr>
         <p:style>
           <a:lnRef idx="1">
@@ -4672,19 +4729,22 @@
       </p:cxnSp>
       <p:cxnSp>
         <p:nvCxnSpPr>
-          <p:cNvPr id="46" name="직선 연결선 45"/>
+          <p:cNvPr id="33" name="직선 연결선 32"/>
           <p:cNvCxnSpPr/>
           <p:nvPr/>
         </p:nvCxnSpPr>
         <p:spPr>
           <a:xfrm>
-            <a:off x="6876256" y="1491630"/>
-            <a:ext cx="1728192" cy="792088"/>
+            <a:off x="2555776" y="2964889"/>
+            <a:ext cx="3973888" cy="0"/>
           </a:xfrm>
           <a:prstGeom prst="line">
             <a:avLst/>
           </a:prstGeom>
-          <a:ln w="28575"/>
+          <a:ln w="28575">
+            <a:headEnd type="arrow" w="med" len="med"/>
+            <a:tailEnd type="none" w="med" len="med"/>
+          </a:ln>
         </p:spPr>
         <p:style>
           <a:lnRef idx="1">
@@ -4703,203 +4763,19 @@
       </p:cxnSp>
       <p:sp>
         <p:nvSpPr>
-          <p:cNvPr id="9" name="TextBox 8"/>
-          <p:cNvSpPr txBox="1"/>
-          <p:nvPr/>
-        </p:nvSpPr>
-        <p:spPr>
-          <a:xfrm>
-            <a:off x="899592" y="1491630"/>
-            <a:ext cx="648072" cy="276999"/>
-          </a:xfrm>
-          <a:prstGeom prst="rect">
-            <a:avLst/>
-          </a:prstGeom>
-          <a:noFill/>
-        </p:spPr>
-        <p:txBody>
-          <a:bodyPr wrap="square" rtlCol="0">
-            <a:spAutoFit/>
-          </a:bodyPr>
-          <a:lstStyle/>
-          <a:p>
-            <a:pPr algn="ctr"/>
-            <a:r>
-              <a:rPr lang="en-US" altLang="ko-KR" sz="1200" dirty="0"/>
-              <a:t>6</a:t>
-            </a:r>
-            <a:endParaRPr lang="ko-KR" altLang="en-US" sz="1200" dirty="0"/>
-          </a:p>
-        </p:txBody>
-      </p:sp>
-      <p:sp>
-        <p:nvSpPr>
-          <p:cNvPr id="47" name="TextBox 46"/>
-          <p:cNvSpPr txBox="1"/>
-          <p:nvPr/>
-        </p:nvSpPr>
-        <p:spPr>
-          <a:xfrm>
-            <a:off x="1943708" y="1491630"/>
-            <a:ext cx="648072" cy="276999"/>
-          </a:xfrm>
-          <a:prstGeom prst="rect">
-            <a:avLst/>
-          </a:prstGeom>
-          <a:noFill/>
-        </p:spPr>
-        <p:txBody>
-          <a:bodyPr wrap="square" rtlCol="0">
-            <a:spAutoFit/>
-          </a:bodyPr>
-          <a:lstStyle/>
-          <a:p>
-            <a:pPr algn="ctr"/>
-            <a:r>
-              <a:rPr lang="en-US" altLang="ko-KR" sz="1200" dirty="0" smtClean="0"/>
-              <a:t>6</a:t>
-            </a:r>
-            <a:endParaRPr lang="ko-KR" altLang="en-US" sz="1200" dirty="0"/>
-          </a:p>
-        </p:txBody>
-      </p:sp>
-      <p:sp>
-        <p:nvSpPr>
-          <p:cNvPr id="48" name="TextBox 47"/>
-          <p:cNvSpPr txBox="1"/>
-          <p:nvPr/>
-        </p:nvSpPr>
-        <p:spPr>
-          <a:xfrm>
-            <a:off x="2806638" y="1491630"/>
-            <a:ext cx="648072" cy="276999"/>
-          </a:xfrm>
-          <a:prstGeom prst="rect">
-            <a:avLst/>
-          </a:prstGeom>
-          <a:noFill/>
-        </p:spPr>
-        <p:txBody>
-          <a:bodyPr wrap="square" rtlCol="0">
-            <a:spAutoFit/>
-          </a:bodyPr>
-          <a:lstStyle/>
-          <a:p>
-            <a:pPr algn="ctr"/>
-            <a:r>
-              <a:rPr lang="en-US" altLang="ko-KR" sz="1200" dirty="0" smtClean="0"/>
-              <a:t>2</a:t>
-            </a:r>
-            <a:endParaRPr lang="ko-KR" altLang="en-US" sz="1200" dirty="0"/>
-          </a:p>
-        </p:txBody>
-      </p:sp>
-      <p:sp>
-        <p:nvSpPr>
-          <p:cNvPr id="49" name="TextBox 48"/>
-          <p:cNvSpPr txBox="1"/>
-          <p:nvPr/>
-        </p:nvSpPr>
-        <p:spPr>
-          <a:xfrm>
-            <a:off x="4860032" y="1491630"/>
-            <a:ext cx="648072" cy="276999"/>
-          </a:xfrm>
-          <a:prstGeom prst="rect">
-            <a:avLst/>
-          </a:prstGeom>
-          <a:noFill/>
-        </p:spPr>
-        <p:txBody>
-          <a:bodyPr wrap="square" rtlCol="0">
-            <a:spAutoFit/>
-          </a:bodyPr>
-          <a:lstStyle/>
-          <a:p>
-            <a:pPr algn="ctr"/>
-            <a:r>
-              <a:rPr lang="en-US" altLang="ko-KR" sz="1200" dirty="0" smtClean="0"/>
-              <a:t>28</a:t>
-            </a:r>
-            <a:endParaRPr lang="ko-KR" altLang="en-US" sz="1200" dirty="0"/>
-          </a:p>
-        </p:txBody>
-      </p:sp>
-      <p:sp>
-        <p:nvSpPr>
-          <p:cNvPr id="51" name="TextBox 50"/>
-          <p:cNvSpPr txBox="1"/>
-          <p:nvPr/>
-        </p:nvSpPr>
-        <p:spPr>
-          <a:xfrm>
-            <a:off x="6984268" y="1491630"/>
-            <a:ext cx="648072" cy="276999"/>
-          </a:xfrm>
-          <a:prstGeom prst="rect">
-            <a:avLst/>
-          </a:prstGeom>
-          <a:noFill/>
-        </p:spPr>
-        <p:txBody>
-          <a:bodyPr wrap="square" rtlCol="0">
-            <a:spAutoFit/>
-          </a:bodyPr>
-          <a:lstStyle/>
-          <a:p>
-            <a:pPr algn="ctr"/>
-            <a:r>
-              <a:rPr lang="en-US" altLang="ko-KR" sz="1200" dirty="0" smtClean="0"/>
-              <a:t>10</a:t>
-            </a:r>
-            <a:endParaRPr lang="ko-KR" altLang="en-US" sz="1200" dirty="0"/>
-          </a:p>
-        </p:txBody>
-      </p:sp>
-      <p:sp>
-        <p:nvSpPr>
-          <p:cNvPr id="52" name="TextBox 51"/>
-          <p:cNvSpPr txBox="1"/>
-          <p:nvPr/>
-        </p:nvSpPr>
-        <p:spPr>
-          <a:xfrm>
-            <a:off x="899592" y="782583"/>
-            <a:ext cx="2231082" cy="276999"/>
-          </a:xfrm>
-          <a:prstGeom prst="rect">
-            <a:avLst/>
-          </a:prstGeom>
-          <a:noFill/>
-        </p:spPr>
-        <p:txBody>
-          <a:bodyPr wrap="square" rtlCol="0">
-            <a:spAutoFit/>
-          </a:bodyPr>
-          <a:lstStyle/>
-          <a:p>
-            <a:pPr algn="ctr"/>
-            <a:r>
-              <a:rPr lang="en-US" altLang="ko-KR" sz="1200" dirty="0" smtClean="0"/>
-              <a:t>Ethernet header</a:t>
-            </a:r>
-            <a:endParaRPr lang="ko-KR" altLang="en-US" sz="1200" dirty="0"/>
-          </a:p>
-        </p:txBody>
-      </p:sp>
-      <p:sp>
-        <p:nvSpPr>
-          <p:cNvPr id="53" name="직사각형 52"/>
+          <p:cNvPr id="13" name="모서리가 둥근 직사각형 12"/>
           <p:cNvSpPr/>
           <p:nvPr/>
         </p:nvSpPr>
         <p:spPr>
           <a:xfrm>
-            <a:off x="683568" y="3579862"/>
-            <a:ext cx="7920880" cy="432048"/>
-          </a:xfrm>
-          <a:prstGeom prst="rect">
-            <a:avLst/>
+            <a:off x="6529664" y="2028785"/>
+            <a:ext cx="2088232" cy="1080120"/>
+          </a:xfrm>
+          <a:prstGeom prst="roundRect">
+            <a:avLst>
+              <a:gd name="adj" fmla="val 9458"/>
+            </a:avLst>
           </a:prstGeom>
         </p:spPr>
         <p:style>
@@ -4922,123 +4798,38 @@
           <a:p>
             <a:pPr algn="ctr"/>
             <a:r>
-              <a:rPr lang="en-US" altLang="ko-KR" sz="1200" dirty="0" smtClean="0"/>
-              <a:t>Source </a:t>
-            </a:r>
-            <a:r>
-              <a:rPr lang="en-US" altLang="ko-KR" sz="1200" dirty="0" err="1" smtClean="0"/>
-              <a:t>protocal</a:t>
-            </a:r>
-            <a:r>
-              <a:rPr lang="en-US" altLang="ko-KR" sz="1200" dirty="0" smtClean="0"/>
-              <a:t> address</a:t>
-            </a:r>
-            <a:endParaRPr lang="ko-KR" altLang="en-US" sz="1200" dirty="0"/>
-          </a:p>
-        </p:txBody>
-      </p:sp>
-      <p:sp>
-        <p:nvSpPr>
-          <p:cNvPr id="55" name="직사각형 54"/>
-          <p:cNvSpPr/>
-          <p:nvPr/>
-        </p:nvSpPr>
-        <p:spPr>
-          <a:xfrm>
-            <a:off x="683568" y="4443958"/>
-            <a:ext cx="7920880" cy="432048"/>
-          </a:xfrm>
-          <a:prstGeom prst="rect">
-            <a:avLst/>
-          </a:prstGeom>
-        </p:spPr>
-        <p:style>
-          <a:lnRef idx="2">
-            <a:schemeClr val="dk1"/>
-          </a:lnRef>
-          <a:fillRef idx="1">
-            <a:schemeClr val="lt1"/>
-          </a:fillRef>
-          <a:effectRef idx="0">
-            <a:schemeClr val="dk1"/>
-          </a:effectRef>
-          <a:fontRef idx="minor">
-            <a:schemeClr val="dk1"/>
-          </a:fontRef>
-        </p:style>
-        <p:txBody>
-          <a:bodyPr rtlCol="0" anchor="ctr"/>
-          <a:lstStyle/>
+              <a:rPr lang="en-US" altLang="ko-KR" sz="1600" smtClean="0"/>
+              <a:t>192.168.0.200</a:t>
+            </a:r>
+          </a:p>
           <a:p>
             <a:pPr algn="ctr"/>
-            <a:r>
-              <a:rPr lang="en-US" altLang="ko-KR" sz="1200" dirty="0" smtClean="0"/>
-              <a:t>Target </a:t>
-            </a:r>
-            <a:r>
-              <a:rPr lang="en-US" altLang="ko-KR" sz="1200" dirty="0" err="1" smtClean="0"/>
-              <a:t>protocal</a:t>
-            </a:r>
-            <a:r>
-              <a:rPr lang="en-US" altLang="ko-KR" sz="1200" dirty="0" smtClean="0"/>
-              <a:t> address</a:t>
-            </a:r>
-            <a:endParaRPr lang="ko-KR" altLang="en-US" sz="1200" dirty="0"/>
-          </a:p>
-        </p:txBody>
-      </p:sp>
-      <p:sp>
-        <p:nvSpPr>
-          <p:cNvPr id="56" name="직사각형 55"/>
-          <p:cNvSpPr/>
-          <p:nvPr/>
-        </p:nvSpPr>
-        <p:spPr>
-          <a:xfrm>
-            <a:off x="683568" y="4011910"/>
-            <a:ext cx="7920880" cy="432048"/>
-          </a:xfrm>
-          <a:prstGeom prst="rect">
-            <a:avLst/>
-          </a:prstGeom>
-        </p:spPr>
-        <p:style>
-          <a:lnRef idx="2">
-            <a:schemeClr val="dk1"/>
-          </a:lnRef>
-          <a:fillRef idx="1">
-            <a:schemeClr val="lt1"/>
-          </a:fillRef>
-          <a:effectRef idx="0">
-            <a:schemeClr val="dk1"/>
-          </a:effectRef>
-          <a:fontRef idx="minor">
-            <a:schemeClr val="dk1"/>
-          </a:fontRef>
-        </p:style>
-        <p:txBody>
-          <a:bodyPr rtlCol="0" anchor="ctr"/>
-          <a:lstStyle/>
+            <a:endParaRPr lang="en-US" altLang="ko-KR" sz="1600" smtClean="0"/>
+          </a:p>
           <a:p>
             <a:pPr algn="ctr"/>
             <a:r>
-              <a:rPr lang="en-US" altLang="ko-KR" sz="1200" dirty="0" smtClean="0"/>
-              <a:t>Target hardware address</a:t>
-            </a:r>
-            <a:endParaRPr lang="ko-KR" altLang="en-US" sz="1200" dirty="0"/>
-          </a:p>
-        </p:txBody>
-      </p:sp>
-      <p:sp>
-        <p:nvSpPr>
-          <p:cNvPr id="57" name="TextBox 56"/>
+              <a:rPr lang="en-US" altLang="ko-KR" sz="1600" smtClean="0"/>
+              <a:t>22</a:t>
+            </a:r>
+            <a:r>
+              <a:rPr lang="en-US" altLang="ko-KR" sz="1600" smtClean="0"/>
+              <a:t>:22:22:22:22:22</a:t>
+            </a:r>
+            <a:endParaRPr lang="ko-KR" altLang="en-US" sz="1600"/>
+          </a:p>
+        </p:txBody>
+      </p:sp>
+      <p:sp>
+        <p:nvSpPr>
+          <p:cNvPr id="18" name="TextBox 17"/>
           <p:cNvSpPr txBox="1"/>
           <p:nvPr/>
         </p:nvSpPr>
         <p:spPr>
           <a:xfrm>
-            <a:off x="7848364" y="1491630"/>
-            <a:ext cx="648072" cy="276999"/>
+            <a:off x="3289304" y="2183834"/>
+            <a:ext cx="2506832" cy="276999"/>
           </a:xfrm>
           <a:prstGeom prst="rect">
             <a:avLst/>
@@ -5053,17 +4844,176 @@
           <a:p>
             <a:pPr algn="ctr"/>
             <a:r>
-              <a:rPr lang="en-US" altLang="ko-KR" sz="1200" dirty="0" smtClean="0"/>
-              <a:t>4</a:t>
+              <a:rPr lang="en-US" altLang="ko-KR" sz="1200" smtClean="0"/>
+              <a:t>ARP Request (Broadcast)</a:t>
             </a:r>
             <a:endParaRPr lang="ko-KR" altLang="en-US" sz="1200" dirty="0"/>
+          </a:p>
+        </p:txBody>
+      </p:sp>
+      <p:sp>
+        <p:nvSpPr>
+          <p:cNvPr id="19" name="TextBox 18"/>
+          <p:cNvSpPr txBox="1"/>
+          <p:nvPr/>
+        </p:nvSpPr>
+        <p:spPr>
+          <a:xfrm>
+            <a:off x="3289304" y="2676858"/>
+            <a:ext cx="2506832" cy="276999"/>
+          </a:xfrm>
+          <a:prstGeom prst="rect">
+            <a:avLst/>
+          </a:prstGeom>
+          <a:noFill/>
+        </p:spPr>
+        <p:txBody>
+          <a:bodyPr wrap="square" rtlCol="0">
+            <a:spAutoFit/>
+          </a:bodyPr>
+          <a:lstStyle/>
+          <a:p>
+            <a:pPr algn="ctr"/>
+            <a:r>
+              <a:rPr lang="en-US" altLang="ko-KR" sz="1200" smtClean="0"/>
+              <a:t>ARP Reply (Unicast)</a:t>
+            </a:r>
+            <a:endParaRPr lang="ko-KR" altLang="en-US" sz="1200" dirty="0"/>
+          </a:p>
+        </p:txBody>
+      </p:sp>
+      <p:sp>
+        <p:nvSpPr>
+          <p:cNvPr id="20" name="TextBox 19"/>
+          <p:cNvSpPr txBox="1"/>
+          <p:nvPr/>
+        </p:nvSpPr>
+        <p:spPr>
+          <a:xfrm>
+            <a:off x="2641232" y="1341804"/>
+            <a:ext cx="3802976" cy="830997"/>
+          </a:xfrm>
+          <a:prstGeom prst="rect">
+            <a:avLst/>
+          </a:prstGeom>
+          <a:noFill/>
+        </p:spPr>
+        <p:txBody>
+          <a:bodyPr wrap="square" rtlCol="0">
+            <a:spAutoFit/>
+          </a:bodyPr>
+          <a:lstStyle/>
+          <a:p>
+            <a:pPr algn="ctr"/>
+            <a:r>
+              <a:rPr lang="en-US" altLang="ko-KR" sz="1200" smtClean="0"/>
+              <a:t>Source hardware address – 11:11:11:11:11:11</a:t>
+            </a:r>
+          </a:p>
+          <a:p>
+            <a:pPr algn="ctr"/>
+            <a:r>
+              <a:rPr lang="en-US" altLang="ko-KR" sz="1200" smtClean="0"/>
+              <a:t>Source protocol address – 192.168.0.100</a:t>
+            </a:r>
+          </a:p>
+          <a:p>
+            <a:pPr algn="ctr"/>
+            <a:r>
+              <a:rPr lang="en-US" altLang="ko-KR" sz="1200" smtClean="0"/>
+              <a:t>Destination </a:t>
+            </a:r>
+            <a:r>
+              <a:rPr lang="en-US" altLang="ko-KR" sz="1200"/>
+              <a:t>hardware address </a:t>
+            </a:r>
+            <a:r>
+              <a:rPr lang="en-US" altLang="ko-KR" sz="1200"/>
+              <a:t>– </a:t>
+            </a:r>
+            <a:r>
+              <a:rPr lang="en-US" altLang="ko-KR" sz="1200" smtClean="0"/>
+              <a:t>00:00:00:00:00:00</a:t>
+            </a:r>
+          </a:p>
+          <a:p>
+            <a:pPr algn="ctr"/>
+            <a:r>
+              <a:rPr lang="en-US" altLang="ko-KR" sz="1200" smtClean="0"/>
+              <a:t>Destination protocol address – 192.168.0.200</a:t>
+            </a:r>
+            <a:endParaRPr lang="en-US" altLang="ko-KR" sz="1200"/>
+          </a:p>
+        </p:txBody>
+      </p:sp>
+      <p:sp>
+        <p:nvSpPr>
+          <p:cNvPr id="21" name="TextBox 20"/>
+          <p:cNvSpPr txBox="1"/>
+          <p:nvPr/>
+        </p:nvSpPr>
+        <p:spPr>
+          <a:xfrm>
+            <a:off x="2641232" y="2964889"/>
+            <a:ext cx="3802976" cy="830997"/>
+          </a:xfrm>
+          <a:prstGeom prst="rect">
+            <a:avLst/>
+          </a:prstGeom>
+          <a:noFill/>
+        </p:spPr>
+        <p:txBody>
+          <a:bodyPr wrap="square" rtlCol="0">
+            <a:spAutoFit/>
+          </a:bodyPr>
+          <a:lstStyle/>
+          <a:p>
+            <a:pPr algn="ctr"/>
+            <a:r>
+              <a:rPr lang="en-US" altLang="ko-KR" sz="1200"/>
+              <a:t>Source hardware address – 22:22:22:22:22:22</a:t>
+            </a:r>
+          </a:p>
+          <a:p>
+            <a:pPr algn="ctr"/>
+            <a:r>
+              <a:rPr lang="en-US" altLang="ko-KR" sz="1200" smtClean="0"/>
+              <a:t>Source protocol address – 192.168.0.200</a:t>
+            </a:r>
+          </a:p>
+          <a:p>
+            <a:pPr algn="ctr"/>
+            <a:r>
+              <a:rPr lang="en-US" altLang="ko-KR" sz="1200" smtClean="0"/>
+              <a:t>Destination </a:t>
+            </a:r>
+            <a:r>
+              <a:rPr lang="en-US" altLang="ko-KR" sz="1200"/>
+              <a:t>hardware address </a:t>
+            </a:r>
+            <a:r>
+              <a:rPr lang="en-US" altLang="ko-KR" sz="1200"/>
+              <a:t>– </a:t>
+            </a:r>
+            <a:r>
+              <a:rPr lang="en-US" altLang="ko-KR" sz="1200"/>
+              <a:t>11:11:11:11:11:11</a:t>
+            </a:r>
+          </a:p>
+          <a:p>
+            <a:pPr algn="ctr"/>
+            <a:r>
+              <a:rPr lang="en-US" altLang="ko-KR" sz="1200" smtClean="0"/>
+              <a:t>Destination protocol address –192.168.0.100</a:t>
+            </a:r>
+            <a:endParaRPr lang="en-US" altLang="ko-KR" sz="1200"/>
           </a:p>
         </p:txBody>
       </p:sp>
     </p:spTree>
     <p:extLst>
       <p:ext uri="{BB962C8B-B14F-4D97-AF65-F5344CB8AC3E}">
-        <p14:creationId xmlns:p14="http://schemas.microsoft.com/office/powerpoint/2010/main" val="4156384484"/>
+        <p14:creationId xmlns:p14="http://schemas.microsoft.com/office/powerpoint/2010/main" val="754698264"/>
       </p:ext>
     </p:extLst>
   </p:cSld>

--- a/images/theory_analysis/ARP/ARP.pptx
+++ b/images/theory_analysis/ARP/ARP.pptx
@@ -110,7 +110,7 @@
   </p:defaultTextStyle>
   <p:extLst>
     <p:ext uri="{EFAFB233-063F-42B5-8137-9DF3F51BA10A}">
-      <p15:sldGuideLst xmlns:p15="http://schemas.microsoft.com/office/powerpoint/2012/main">
+      <p15:sldGuideLst xmlns:p15="http://schemas.microsoft.com/office/powerpoint/2012/main" xmlns="">
         <p15:guide id="1" orient="horz" pos="2160">
           <p15:clr>
             <a:srgbClr val="A4A3A4"/>
@@ -214,7 +214,7 @@
           <a:p>
             <a:fld id="{6CD5550B-26C4-49A9-A5BA-636EF7BE6CE9}" type="datetimeFigureOut">
               <a:rPr lang="ko-KR" altLang="en-US" smtClean="0"/>
-              <a:t>2017-05-03</a:t>
+              <a:t>2018-07-12</a:t>
             </a:fld>
             <a:endParaRPr lang="ko-KR" altLang="en-US"/>
           </a:p>
@@ -831,7 +831,7 @@
           <a:p>
             <a:fld id="{FB30EDBD-1C2D-4C1E-B459-B60219FAB484}" type="datetimeFigureOut">
               <a:rPr lang="ko-KR" altLang="en-US" smtClean="0"/>
-              <a:t>2017-05-03</a:t>
+              <a:t>2018-07-12</a:t>
             </a:fld>
             <a:endParaRPr lang="ko-KR" altLang="en-US"/>
           </a:p>
@@ -996,7 +996,7 @@
           <a:p>
             <a:fld id="{FB30EDBD-1C2D-4C1E-B459-B60219FAB484}" type="datetimeFigureOut">
               <a:rPr lang="ko-KR" altLang="en-US" smtClean="0"/>
-              <a:t>2017-05-03</a:t>
+              <a:t>2018-07-12</a:t>
             </a:fld>
             <a:endParaRPr lang="ko-KR" altLang="en-US"/>
           </a:p>
@@ -1171,7 +1171,7 @@
           <a:p>
             <a:fld id="{FB30EDBD-1C2D-4C1E-B459-B60219FAB484}" type="datetimeFigureOut">
               <a:rPr lang="ko-KR" altLang="en-US" smtClean="0"/>
-              <a:t>2017-05-03</a:t>
+              <a:t>2018-07-12</a:t>
             </a:fld>
             <a:endParaRPr lang="ko-KR" altLang="en-US"/>
           </a:p>
@@ -1336,7 +1336,7 @@
           <a:p>
             <a:fld id="{FB30EDBD-1C2D-4C1E-B459-B60219FAB484}" type="datetimeFigureOut">
               <a:rPr lang="ko-KR" altLang="en-US" smtClean="0"/>
-              <a:t>2017-05-03</a:t>
+              <a:t>2018-07-12</a:t>
             </a:fld>
             <a:endParaRPr lang="ko-KR" altLang="en-US"/>
           </a:p>
@@ -1584,7 +1584,7 @@
           <a:p>
             <a:fld id="{FB30EDBD-1C2D-4C1E-B459-B60219FAB484}" type="datetimeFigureOut">
               <a:rPr lang="ko-KR" altLang="en-US" smtClean="0"/>
-              <a:t>2017-05-03</a:t>
+              <a:t>2018-07-12</a:t>
             </a:fld>
             <a:endParaRPr lang="ko-KR" altLang="en-US"/>
           </a:p>
@@ -1867,7 +1867,7 @@
           <a:p>
             <a:fld id="{FB30EDBD-1C2D-4C1E-B459-B60219FAB484}" type="datetimeFigureOut">
               <a:rPr lang="ko-KR" altLang="en-US" smtClean="0"/>
-              <a:t>2017-05-03</a:t>
+              <a:t>2018-07-12</a:t>
             </a:fld>
             <a:endParaRPr lang="ko-KR" altLang="en-US"/>
           </a:p>
@@ -2284,7 +2284,7 @@
           <a:p>
             <a:fld id="{FB30EDBD-1C2D-4C1E-B459-B60219FAB484}" type="datetimeFigureOut">
               <a:rPr lang="ko-KR" altLang="en-US" smtClean="0"/>
-              <a:t>2017-05-03</a:t>
+              <a:t>2018-07-12</a:t>
             </a:fld>
             <a:endParaRPr lang="ko-KR" altLang="en-US"/>
           </a:p>
@@ -2397,7 +2397,7 @@
           <a:p>
             <a:fld id="{FB30EDBD-1C2D-4C1E-B459-B60219FAB484}" type="datetimeFigureOut">
               <a:rPr lang="ko-KR" altLang="en-US" smtClean="0"/>
-              <a:t>2017-05-03</a:t>
+              <a:t>2018-07-12</a:t>
             </a:fld>
             <a:endParaRPr lang="ko-KR" altLang="en-US"/>
           </a:p>
@@ -2487,7 +2487,7 @@
           <a:p>
             <a:fld id="{FB30EDBD-1C2D-4C1E-B459-B60219FAB484}" type="datetimeFigureOut">
               <a:rPr lang="ko-KR" altLang="en-US" smtClean="0"/>
-              <a:t>2017-05-03</a:t>
+              <a:t>2018-07-12</a:t>
             </a:fld>
             <a:endParaRPr lang="ko-KR" altLang="en-US"/>
           </a:p>
@@ -2759,7 +2759,7 @@
           <a:p>
             <a:fld id="{FB30EDBD-1C2D-4C1E-B459-B60219FAB484}" type="datetimeFigureOut">
               <a:rPr lang="ko-KR" altLang="en-US" smtClean="0"/>
-              <a:t>2017-05-03</a:t>
+              <a:t>2018-07-12</a:t>
             </a:fld>
             <a:endParaRPr lang="ko-KR" altLang="en-US"/>
           </a:p>
@@ -3007,7 +3007,7 @@
           <a:p>
             <a:fld id="{FB30EDBD-1C2D-4C1E-B459-B60219FAB484}" type="datetimeFigureOut">
               <a:rPr lang="ko-KR" altLang="en-US" smtClean="0"/>
-              <a:t>2017-05-03</a:t>
+              <a:t>2018-07-12</a:t>
             </a:fld>
             <a:endParaRPr lang="ko-KR" altLang="en-US"/>
           </a:p>
@@ -3215,7 +3215,7 @@
           <a:p>
             <a:fld id="{FB30EDBD-1C2D-4C1E-B459-B60219FAB484}" type="datetimeFigureOut">
               <a:rPr lang="ko-KR" altLang="en-US" smtClean="0"/>
-              <a:t>2017-05-03</a:t>
+              <a:t>2018-07-12</a:t>
             </a:fld>
             <a:endParaRPr lang="ko-KR" altLang="en-US"/>
           </a:p>
@@ -3912,15 +3912,19 @@
             <a:pPr algn="ctr"/>
             <a:r>
               <a:rPr lang="en-US" altLang="ko-KR" sz="1200" dirty="0" smtClean="0"/>
-              <a:t>Hardware type (</a:t>
+              <a:t>Hardware type </a:t>
+            </a:r>
+            <a:r>
+              <a:rPr lang="en-US" altLang="ko-KR" sz="1200" dirty="0"/>
+              <a:t>-</a:t>
+            </a:r>
+            <a:r>
+              <a:rPr lang="en-US" altLang="ko-KR" sz="1200" dirty="0" smtClean="0"/>
+              <a:t> </a:t>
             </a:r>
             <a:r>
               <a:rPr lang="en-US" altLang="ko-KR" sz="1200" dirty="0" err="1" smtClean="0"/>
               <a:t>2bytes</a:t>
-            </a:r>
-            <a:r>
-              <a:rPr lang="en-US" altLang="ko-KR" sz="1200" dirty="0" smtClean="0"/>
-              <a:t>)</a:t>
             </a:r>
             <a:endParaRPr lang="ko-KR" altLang="en-US" sz="1200" dirty="0"/>
           </a:p>
@@ -3961,12 +3965,16 @@
           <a:p>
             <a:pPr algn="ctr"/>
             <a:r>
-              <a:rPr lang="en-US" altLang="ko-KR" sz="1200" smtClean="0"/>
-              <a:t>Protocol </a:t>
-            </a:r>
-            <a:r>
               <a:rPr lang="en-US" altLang="ko-KR" sz="1200" dirty="0" smtClean="0"/>
-              <a:t>type (2 bytes)</a:t>
+              <a:t>Protocol type </a:t>
+            </a:r>
+            <a:r>
+              <a:rPr lang="en-US" altLang="ko-KR" sz="1200" dirty="0" smtClean="0"/>
+              <a:t>- </a:t>
+            </a:r>
+            <a:r>
+              <a:rPr lang="en-US" altLang="ko-KR" sz="1200" dirty="0" err="1" smtClean="0"/>
+              <a:t>2bytes</a:t>
             </a:r>
             <a:endParaRPr lang="ko-KR" altLang="en-US" sz="1200" dirty="0"/>
           </a:p>
@@ -4008,7 +4016,15 @@
             <a:pPr algn="ctr"/>
             <a:r>
               <a:rPr lang="en-US" altLang="ko-KR" sz="1200" dirty="0" smtClean="0"/>
-              <a:t>Operation code (2 bytes)</a:t>
+              <a:t>Operation </a:t>
+            </a:r>
+            <a:r>
+              <a:rPr lang="en-US" altLang="ko-KR" sz="1200" dirty="0" smtClean="0"/>
+              <a:t>code - </a:t>
+            </a:r>
+            <a:r>
+              <a:rPr lang="en-US" altLang="ko-KR" sz="1200" dirty="0" err="1" smtClean="0"/>
+              <a:t>2bytes</a:t>
             </a:r>
             <a:endParaRPr lang="ko-KR" altLang="en-US" sz="1200" dirty="0"/>
           </a:p>
@@ -4050,15 +4066,15 @@
             <a:pPr algn="ctr"/>
             <a:r>
               <a:rPr lang="en-US" altLang="ko-KR" sz="1200" dirty="0" smtClean="0"/>
-              <a:t>Hardware address length (</a:t>
+              <a:t>Hardware address length </a:t>
+            </a:r>
+            <a:r>
+              <a:rPr lang="en-US" altLang="ko-KR" sz="1200" dirty="0" smtClean="0"/>
+              <a:t>- </a:t>
             </a:r>
             <a:r>
               <a:rPr lang="en-US" altLang="ko-KR" sz="1200" dirty="0" err="1" smtClean="0"/>
               <a:t>1byte</a:t>
-            </a:r>
-            <a:r>
-              <a:rPr lang="en-US" altLang="ko-KR" sz="1200" dirty="0" smtClean="0"/>
-              <a:t>)</a:t>
             </a:r>
             <a:endParaRPr lang="ko-KR" altLang="en-US" sz="1200" dirty="0"/>
           </a:p>
@@ -4100,7 +4116,15 @@
             <a:pPr algn="ctr"/>
             <a:r>
               <a:rPr lang="en-US" altLang="ko-KR" sz="1200" dirty="0" smtClean="0"/>
-              <a:t>Protocol address length (1 byte)</a:t>
+              <a:t>Protocol address length </a:t>
+            </a:r>
+            <a:r>
+              <a:rPr lang="en-US" altLang="ko-KR" sz="1200" dirty="0" smtClean="0"/>
+              <a:t>- </a:t>
+            </a:r>
+            <a:r>
+              <a:rPr lang="en-US" altLang="ko-KR" sz="1200" dirty="0" err="1" smtClean="0"/>
+              <a:t>1byte</a:t>
             </a:r>
             <a:endParaRPr lang="ko-KR" altLang="en-US" sz="1200" dirty="0"/>
           </a:p>
@@ -4683,11 +4707,7 @@
             <a:pPr algn="ctr"/>
             <a:r>
               <a:rPr lang="en-US" altLang="ko-KR" sz="1600" smtClean="0"/>
-              <a:t>11</a:t>
-            </a:r>
-            <a:r>
-              <a:rPr lang="en-US" altLang="ko-KR" sz="1600" smtClean="0"/>
-              <a:t>:11:11:11:11:11</a:t>
+              <a:t>11:11:11:11:11:11</a:t>
             </a:r>
             <a:endParaRPr lang="ko-KR" altLang="en-US" sz="1600"/>
           </a:p>
@@ -4810,11 +4830,7 @@
             <a:pPr algn="ctr"/>
             <a:r>
               <a:rPr lang="en-US" altLang="ko-KR" sz="1600" smtClean="0"/>
-              <a:t>22</a:t>
-            </a:r>
-            <a:r>
-              <a:rPr lang="en-US" altLang="ko-KR" sz="1600" smtClean="0"/>
-              <a:t>:22:22:22:22:22</a:t>
+              <a:t>22:22:22:22:22:22</a:t>
             </a:r>
             <a:endParaRPr lang="ko-KR" altLang="en-US" sz="1600"/>
           </a:p>
@@ -4925,11 +4941,7 @@
             </a:r>
             <a:r>
               <a:rPr lang="en-US" altLang="ko-KR" sz="1200"/>
-              <a:t>hardware address </a:t>
-            </a:r>
-            <a:r>
-              <a:rPr lang="en-US" altLang="ko-KR" sz="1200"/>
-              <a:t>– </a:t>
+              <a:t>hardware address – </a:t>
             </a:r>
             <a:r>
               <a:rPr lang="en-US" altLang="ko-KR" sz="1200" smtClean="0"/>
@@ -4989,15 +5001,7 @@
             </a:r>
             <a:r>
               <a:rPr lang="en-US" altLang="ko-KR" sz="1200"/>
-              <a:t>hardware address </a:t>
-            </a:r>
-            <a:r>
-              <a:rPr lang="en-US" altLang="ko-KR" sz="1200"/>
-              <a:t>– </a:t>
-            </a:r>
-            <a:r>
-              <a:rPr lang="en-US" altLang="ko-KR" sz="1200"/>
-              <a:t>11:11:11:11:11:11</a:t>
+              <a:t>hardware address – 11:11:11:11:11:11</a:t>
             </a:r>
           </a:p>
           <a:p>
